--- a/presentation/Nerdy Nets – GPT2.pptx
+++ b/presentation/Nerdy Nets – GPT2.pptx
@@ -9,11 +9,13 @@
     <p:sldId id="257" r:id="rId3"/>
     <p:sldId id="260" r:id="rId4"/>
     <p:sldId id="258" r:id="rId5"/>
-    <p:sldId id="259" r:id="rId6"/>
-    <p:sldId id="262" r:id="rId7"/>
-    <p:sldId id="264" r:id="rId8"/>
-    <p:sldId id="263" r:id="rId9"/>
-    <p:sldId id="261" r:id="rId10"/>
+    <p:sldId id="265" r:id="rId6"/>
+    <p:sldId id="266" r:id="rId7"/>
+    <p:sldId id="259" r:id="rId8"/>
+    <p:sldId id="262" r:id="rId9"/>
+    <p:sldId id="264" r:id="rId10"/>
+    <p:sldId id="263" r:id="rId11"/>
+    <p:sldId id="261" r:id="rId12"/>
   </p:sldIdLst>
   <p:sldSz cx="12192000" cy="6858000"/>
   <p:notesSz cx="6858000" cy="9144000"/>
@@ -112,6 +114,11 @@
       </a:defRPr>
     </a:lvl9pPr>
   </p:defaultTextStyle>
+  <p:extLst>
+    <p:ext uri="{EFAFB233-063F-42B5-8137-9DF3F51BA10A}">
+      <p15:sldGuideLst xmlns:p15="http://schemas.microsoft.com/office/powerpoint/2012/main"/>
+    </p:ext>
+  </p:extLst>
 </p:presentation>
 </file>
 
@@ -5963,6 +5970,179 @@
 </p:sld>
 </file>
 
+<file path=ppt/slides/slide10.xml><?xml version="1.0" encoding="utf-8"?>
+<p:sld xmlns:a="http://schemas.openxmlformats.org/drawingml/2006/main" xmlns:r="http://schemas.openxmlformats.org/officeDocument/2006/relationships" xmlns:p="http://schemas.openxmlformats.org/presentationml/2006/main">
+  <p:cSld>
+    <p:spTree>
+      <p:nvGrpSpPr>
+        <p:cNvPr id="1" name=""/>
+        <p:cNvGrpSpPr/>
+        <p:nvPr/>
+      </p:nvGrpSpPr>
+      <p:grpSpPr>
+        <a:xfrm>
+          <a:off x="0" y="0"/>
+          <a:ext cx="0" cy="0"/>
+          <a:chOff x="0" y="0"/>
+          <a:chExt cx="0" cy="0"/>
+        </a:xfrm>
+      </p:grpSpPr>
+      <p:sp>
+        <p:nvSpPr>
+          <p:cNvPr id="2" name="Title 1">
+            <a:extLst>
+              <a:ext uri="{FF2B5EF4-FFF2-40B4-BE49-F238E27FC236}">
+                <a16:creationId xmlns:a16="http://schemas.microsoft.com/office/drawing/2014/main" id="{A14CBBAD-0CE9-48B6-9E2E-9195F5368CBC}"/>
+              </a:ext>
+            </a:extLst>
+          </p:cNvPr>
+          <p:cNvSpPr>
+            <a:spLocks noGrp="1"/>
+          </p:cNvSpPr>
+          <p:nvPr>
+            <p:ph type="title"/>
+          </p:nvPr>
+        </p:nvSpPr>
+        <p:spPr/>
+        <p:txBody>
+          <a:bodyPr/>
+          <a:lstStyle/>
+          <a:p>
+            <a:r>
+              <a:rPr lang="en-US" dirty="0"/>
+              <a:t>GPT-2 example</a:t>
+            </a:r>
+          </a:p>
+        </p:txBody>
+      </p:sp>
+      <p:sp>
+        <p:nvSpPr>
+          <p:cNvPr id="3" name="Content Placeholder 2">
+            <a:extLst>
+              <a:ext uri="{FF2B5EF4-FFF2-40B4-BE49-F238E27FC236}">
+                <a16:creationId xmlns:a16="http://schemas.microsoft.com/office/drawing/2014/main" id="{3ABF7464-2212-4E7C-A29A-59BA680D931E}"/>
+              </a:ext>
+            </a:extLst>
+          </p:cNvPr>
+          <p:cNvSpPr>
+            <a:spLocks noGrp="1"/>
+          </p:cNvSpPr>
+          <p:nvPr>
+            <p:ph idx="1"/>
+          </p:nvPr>
+        </p:nvSpPr>
+        <p:spPr/>
+        <p:txBody>
+          <a:bodyPr/>
+          <a:lstStyle/>
+          <a:p>
+            <a:endParaRPr lang="en-US"/>
+          </a:p>
+        </p:txBody>
+      </p:sp>
+    </p:spTree>
+    <p:extLst>
+      <p:ext uri="{BB962C8B-B14F-4D97-AF65-F5344CB8AC3E}">
+        <p14:creationId xmlns:p14="http://schemas.microsoft.com/office/powerpoint/2010/main" val="3055925487"/>
+      </p:ext>
+    </p:extLst>
+  </p:cSld>
+  <p:clrMapOvr>
+    <a:masterClrMapping/>
+  </p:clrMapOvr>
+</p:sld>
+</file>
+
+<file path=ppt/slides/slide11.xml><?xml version="1.0" encoding="utf-8"?>
+<p:sld xmlns:a="http://schemas.openxmlformats.org/drawingml/2006/main" xmlns:r="http://schemas.openxmlformats.org/officeDocument/2006/relationships" xmlns:p="http://schemas.openxmlformats.org/presentationml/2006/main">
+  <p:cSld>
+    <p:spTree>
+      <p:nvGrpSpPr>
+        <p:cNvPr id="1" name=""/>
+        <p:cNvGrpSpPr/>
+        <p:nvPr/>
+      </p:nvGrpSpPr>
+      <p:grpSpPr>
+        <a:xfrm>
+          <a:off x="0" y="0"/>
+          <a:ext cx="0" cy="0"/>
+          <a:chOff x="0" y="0"/>
+          <a:chExt cx="0" cy="0"/>
+        </a:xfrm>
+      </p:grpSpPr>
+      <p:sp>
+        <p:nvSpPr>
+          <p:cNvPr id="2" name="Title 1">
+            <a:extLst>
+              <a:ext uri="{FF2B5EF4-FFF2-40B4-BE49-F238E27FC236}">
+                <a16:creationId xmlns:a16="http://schemas.microsoft.com/office/drawing/2014/main" id="{D5E81FA9-A7BD-4DBA-BB07-C7542EB3D62C}"/>
+              </a:ext>
+            </a:extLst>
+          </p:cNvPr>
+          <p:cNvSpPr>
+            <a:spLocks noGrp="1"/>
+          </p:cNvSpPr>
+          <p:nvPr>
+            <p:ph type="title"/>
+          </p:nvPr>
+        </p:nvSpPr>
+        <p:spPr/>
+        <p:txBody>
+          <a:bodyPr/>
+          <a:lstStyle/>
+          <a:p>
+            <a:r>
+              <a:rPr lang="en-US" dirty="0" err="1"/>
+              <a:t>Discrepencies</a:t>
+            </a:r>
+            <a:endParaRPr lang="en-US" dirty="0"/>
+          </a:p>
+        </p:txBody>
+      </p:sp>
+      <p:sp>
+        <p:nvSpPr>
+          <p:cNvPr id="3" name="Content Placeholder 2">
+            <a:extLst>
+              <a:ext uri="{FF2B5EF4-FFF2-40B4-BE49-F238E27FC236}">
+                <a16:creationId xmlns:a16="http://schemas.microsoft.com/office/drawing/2014/main" id="{825E07A4-264C-4B8D-8110-2FD3727CE547}"/>
+              </a:ext>
+            </a:extLst>
+          </p:cNvPr>
+          <p:cNvSpPr>
+            <a:spLocks noGrp="1"/>
+          </p:cNvSpPr>
+          <p:nvPr>
+            <p:ph idx="1"/>
+          </p:nvPr>
+        </p:nvSpPr>
+        <p:spPr/>
+        <p:txBody>
+          <a:bodyPr/>
+          <a:lstStyle/>
+          <a:p>
+            <a:r>
+              <a:rPr lang="en-US" dirty="0"/>
+              <a:t>Paragraph window size should be larger than summary window size</a:t>
+            </a:r>
+          </a:p>
+          <a:p>
+            <a:endParaRPr lang="en-US" dirty="0"/>
+          </a:p>
+        </p:txBody>
+      </p:sp>
+    </p:spTree>
+    <p:extLst>
+      <p:ext uri="{BB962C8B-B14F-4D97-AF65-F5344CB8AC3E}">
+        <p14:creationId xmlns:p14="http://schemas.microsoft.com/office/powerpoint/2010/main" val="3897350998"/>
+      </p:ext>
+    </p:extLst>
+  </p:cSld>
+  <p:clrMapOvr>
+    <a:masterClrMapping/>
+  </p:clrMapOvr>
+</p:sld>
+</file>
+
 <file path=ppt/slides/slide2.xml><?xml version="1.0" encoding="utf-8"?>
 <p:sld xmlns:a="http://schemas.openxmlformats.org/drawingml/2006/main" xmlns:r="http://schemas.openxmlformats.org/officeDocument/2006/relationships" xmlns:p="http://schemas.openxmlformats.org/presentationml/2006/main">
   <p:cSld>
@@ -6377,7 +6557,7 @@
           <a:p>
             <a:r>
               <a:rPr lang="en-US" dirty="0"/>
-              <a:t>TLDR reddit dataset</a:t>
+              <a:t>TLDR reddit dataset in JSON format</a:t>
             </a:r>
           </a:p>
           <a:p>
@@ -6458,13 +6638,26 @@
             <p:ph type="title"/>
           </p:nvPr>
         </p:nvSpPr>
-        <p:spPr/>
+        <p:spPr>
+          <a:xfrm>
+            <a:off x="1020932" y="169817"/>
+            <a:ext cx="10332868" cy="998860"/>
+          </a:xfrm>
+          <a:solidFill>
+            <a:schemeClr val="tx1"/>
+          </a:solidFill>
+        </p:spPr>
         <p:txBody>
           <a:bodyPr/>
           <a:lstStyle/>
           <a:p>
-            <a:r>
-              <a:rPr lang="en-US" dirty="0"/>
+            <a:pPr algn="ctr"/>
+            <a:r>
+              <a:rPr lang="en-US" b="1" dirty="0">
+                <a:solidFill>
+                  <a:schemeClr val="bg1"/>
+                </a:solidFill>
+              </a:rPr>
               <a:t>Query Algorithm</a:t>
             </a:r>
           </a:p>
@@ -6486,15 +6679,173 @@
             <p:ph idx="1"/>
           </p:nvPr>
         </p:nvSpPr>
-        <p:spPr/>
-        <p:txBody>
-          <a:bodyPr/>
+        <p:spPr>
+          <a:xfrm>
+            <a:off x="767179" y="1168677"/>
+            <a:ext cx="10515600" cy="5587230"/>
+          </a:xfrm>
+        </p:spPr>
+        <p:txBody>
+          <a:bodyPr>
+            <a:normAutofit fontScale="92500" lnSpcReduction="10000"/>
+          </a:bodyPr>
           <a:lstStyle/>
           <a:p>
+            <a:pPr marL="0" indent="0">
+              <a:buNone/>
+            </a:pPr>
+            <a:endParaRPr lang="en-US" sz="2400" dirty="0"/>
+          </a:p>
+          <a:p>
+            <a:pPr marL="0" indent="0">
+              <a:buNone/>
+            </a:pPr>
+            <a:r>
+              <a:rPr lang="en-US" sz="2400" dirty="0"/>
+              <a:t>Outputs the relevance of keywords to some specific documents using TD-IDF (Term Frequency - Inverse Document Frequency)</a:t>
+            </a:r>
+          </a:p>
+          <a:p>
+            <a:pPr marL="0" indent="0">
+              <a:buNone/>
+            </a:pPr>
+            <a:endParaRPr lang="en-US" sz="2400" dirty="0"/>
+          </a:p>
+          <a:p>
+            <a:pPr marL="571500" indent="-571500">
+              <a:buFont typeface="+mj-lt"/>
+              <a:buAutoNum type="romanUcPeriod"/>
+            </a:pPr>
+            <a:r>
+              <a:rPr lang="en-US" sz="2400" dirty="0"/>
+              <a:t>Preprocessed data is further preprocessed to remove the </a:t>
+            </a:r>
+          </a:p>
+          <a:p>
+            <a:pPr marL="0" indent="0">
+              <a:buNone/>
+            </a:pPr>
+            <a:r>
+              <a:rPr lang="en-US" sz="2400" dirty="0"/>
+              <a:t>	stop-words and punctuations.</a:t>
+            </a:r>
+          </a:p>
+          <a:p>
+            <a:pPr marL="0" indent="0">
+              <a:buNone/>
+            </a:pPr>
+            <a:r>
+              <a:rPr lang="en-US" sz="2400" dirty="0"/>
+              <a:t>II.    Extract the JSON schema (train and test) </a:t>
+            </a:r>
+          </a:p>
+          <a:p>
+            <a:pPr marL="0" indent="0">
+              <a:buNone/>
+            </a:pPr>
             <a:endParaRPr lang="en-US" dirty="0"/>
           </a:p>
-        </p:txBody>
-      </p:sp>
+          <a:p>
+            <a:pPr marL="0" indent="0">
+              <a:buNone/>
+            </a:pPr>
+            <a:r>
+              <a:rPr lang="en-US" sz="2400" dirty="0"/>
+              <a:t>III.   Create vocabulary and Word Counts for IDF</a:t>
+            </a:r>
+          </a:p>
+          <a:p>
+            <a:pPr marL="514350" indent="-514350">
+              <a:buAutoNum type="romanUcPeriod" startAt="4"/>
+            </a:pPr>
+            <a:r>
+              <a:rPr lang="en-US" sz="2400" dirty="0"/>
+              <a:t>Compute IDF values. </a:t>
+            </a:r>
+          </a:p>
+          <a:p>
+            <a:pPr marL="514350" indent="-514350">
+              <a:buAutoNum type="romanUcPeriod" startAt="4"/>
+            </a:pPr>
+            <a:r>
+              <a:rPr lang="en-US" sz="2400" dirty="0"/>
+              <a:t>Extracting keywords</a:t>
+            </a:r>
+          </a:p>
+          <a:p>
+            <a:pPr marL="514350" indent="-514350">
+              <a:buAutoNum type="romanUcPeriod" startAt="4"/>
+            </a:pPr>
+            <a:r>
+              <a:rPr lang="en-US" sz="2400" dirty="0"/>
+              <a:t>Sort the values in the vector while preserving the column index of the extracted keyword.</a:t>
+            </a:r>
+          </a:p>
+          <a:p>
+            <a:pPr marL="514350" indent="-514350">
+              <a:buAutoNum type="romanUcPeriod" startAt="4"/>
+            </a:pPr>
+            <a:r>
+              <a:rPr lang="en-US" sz="2400" dirty="0"/>
+              <a:t>Return the sorted values.</a:t>
+            </a:r>
+          </a:p>
+          <a:p>
+            <a:pPr marL="514350" indent="-514350">
+              <a:buAutoNum type="romanUcPeriod" startAt="4"/>
+            </a:pPr>
+            <a:endParaRPr lang="en-US" sz="2400" dirty="0"/>
+          </a:p>
+          <a:p>
+            <a:pPr marL="514350" indent="-514350">
+              <a:buAutoNum type="romanUcPeriod" startAt="4"/>
+            </a:pPr>
+            <a:endParaRPr lang="en-US" sz="2400" dirty="0"/>
+          </a:p>
+          <a:p>
+            <a:pPr marL="0" indent="0">
+              <a:buNone/>
+            </a:pPr>
+            <a:endParaRPr lang="en-US" dirty="0"/>
+          </a:p>
+        </p:txBody>
+      </p:sp>
+      <p:pic>
+        <p:nvPicPr>
+          <p:cNvPr id="5" name="Picture 4">
+            <a:extLst>
+              <a:ext uri="{FF2B5EF4-FFF2-40B4-BE49-F238E27FC236}">
+                <a16:creationId xmlns:a16="http://schemas.microsoft.com/office/drawing/2014/main" id="{E9F1AE7F-3940-476C-A3B6-CCACB8BD148B}"/>
+              </a:ext>
+            </a:extLst>
+          </p:cNvPr>
+          <p:cNvPicPr>
+            <a:picLocks noChangeAspect="1"/>
+          </p:cNvPicPr>
+          <p:nvPr/>
+        </p:nvPicPr>
+        <p:blipFill>
+          <a:blip r:embed="rId2">
+            <a:extLst>
+              <a:ext uri="{28A0092B-C50C-407E-A947-70E740481C1C}">
+                <a14:useLocalDpi xmlns:a14="http://schemas.microsoft.com/office/drawing/2010/main" val="0"/>
+              </a:ext>
+            </a:extLst>
+          </a:blip>
+          <a:stretch>
+            <a:fillRect/>
+          </a:stretch>
+        </p:blipFill>
+        <p:spPr>
+          <a:xfrm>
+            <a:off x="6754439" y="3049675"/>
+            <a:ext cx="5319192" cy="1064180"/>
+          </a:xfrm>
+          <a:prstGeom prst="rect">
+            <a:avLst/>
+          </a:prstGeom>
+        </p:spPr>
+      </p:pic>
     </p:spTree>
     <p:extLst>
       <p:ext uri="{BB962C8B-B14F-4D97-AF65-F5344CB8AC3E}">
@@ -6509,6 +6860,238 @@
 </file>
 
 <file path=ppt/slides/slide5.xml><?xml version="1.0" encoding="utf-8"?>
+<p:sld xmlns:a="http://schemas.openxmlformats.org/drawingml/2006/main" xmlns:r="http://schemas.openxmlformats.org/officeDocument/2006/relationships" xmlns:p="http://schemas.openxmlformats.org/presentationml/2006/main">
+  <p:cSld>
+    <p:spTree>
+      <p:nvGrpSpPr>
+        <p:cNvPr id="1" name=""/>
+        <p:cNvGrpSpPr/>
+        <p:nvPr/>
+      </p:nvGrpSpPr>
+      <p:grpSpPr>
+        <a:xfrm>
+          <a:off x="0" y="0"/>
+          <a:ext cx="0" cy="0"/>
+          <a:chOff x="0" y="0"/>
+          <a:chExt cx="0" cy="0"/>
+        </a:xfrm>
+      </p:grpSpPr>
+      <p:pic>
+        <p:nvPicPr>
+          <p:cNvPr id="5" name="Content Placeholder 4">
+            <a:extLst>
+              <a:ext uri="{FF2B5EF4-FFF2-40B4-BE49-F238E27FC236}">
+                <a16:creationId xmlns:a16="http://schemas.microsoft.com/office/drawing/2014/main" id="{85B49055-E62F-447E-9EDA-6DE041EC3BDC}"/>
+              </a:ext>
+            </a:extLst>
+          </p:cNvPr>
+          <p:cNvPicPr>
+            <a:picLocks noGrp="1" noChangeAspect="1"/>
+          </p:cNvPicPr>
+          <p:nvPr>
+            <p:ph idx="1"/>
+          </p:nvPr>
+        </p:nvPicPr>
+        <p:blipFill>
+          <a:blip r:embed="rId2">
+            <a:extLst>
+              <a:ext uri="{28A0092B-C50C-407E-A947-70E740481C1C}">
+                <a14:useLocalDpi xmlns:a14="http://schemas.microsoft.com/office/drawing/2010/main" val="0"/>
+              </a:ext>
+            </a:extLst>
+          </a:blip>
+          <a:stretch>
+            <a:fillRect/>
+          </a:stretch>
+        </p:blipFill>
+        <p:spPr>
+          <a:xfrm>
+            <a:off x="4527612" y="86407"/>
+            <a:ext cx="2787588" cy="6771593"/>
+          </a:xfrm>
+        </p:spPr>
+      </p:pic>
+      <p:sp>
+        <p:nvSpPr>
+          <p:cNvPr id="6" name="TextBox 5">
+            <a:extLst>
+              <a:ext uri="{FF2B5EF4-FFF2-40B4-BE49-F238E27FC236}">
+                <a16:creationId xmlns:a16="http://schemas.microsoft.com/office/drawing/2014/main" id="{EAAB9528-D519-4483-92C3-633C90AB87C9}"/>
+              </a:ext>
+            </a:extLst>
+          </p:cNvPr>
+          <p:cNvSpPr txBox="1"/>
+          <p:nvPr/>
+        </p:nvSpPr>
+        <p:spPr>
+          <a:xfrm>
+            <a:off x="577049" y="710214"/>
+            <a:ext cx="3160450" cy="1569660"/>
+          </a:xfrm>
+          <a:prstGeom prst="rect">
+            <a:avLst/>
+          </a:prstGeom>
+          <a:solidFill>
+            <a:schemeClr val="tx1"/>
+          </a:solidFill>
+        </p:spPr>
+        <p:txBody>
+          <a:bodyPr wrap="square" rtlCol="0">
+            <a:spAutoFit/>
+          </a:bodyPr>
+          <a:lstStyle/>
+          <a:p>
+            <a:r>
+              <a:rPr lang="en-US" sz="3200" b="1" dirty="0">
+                <a:solidFill>
+                  <a:schemeClr val="bg1"/>
+                </a:solidFill>
+              </a:rPr>
+              <a:t>      Overview </a:t>
+            </a:r>
+          </a:p>
+          <a:p>
+            <a:r>
+              <a:rPr lang="en-US" sz="3200" b="1" dirty="0">
+                <a:solidFill>
+                  <a:schemeClr val="bg1"/>
+                </a:solidFill>
+              </a:rPr>
+              <a:t>             of</a:t>
+            </a:r>
+          </a:p>
+          <a:p>
+            <a:r>
+              <a:rPr lang="en-US" sz="3200" b="1" dirty="0">
+                <a:solidFill>
+                  <a:schemeClr val="bg1"/>
+                </a:solidFill>
+              </a:rPr>
+              <a:t>Query Algorithm</a:t>
+            </a:r>
+          </a:p>
+        </p:txBody>
+      </p:sp>
+    </p:spTree>
+    <p:extLst>
+      <p:ext uri="{BB962C8B-B14F-4D97-AF65-F5344CB8AC3E}">
+        <p14:creationId xmlns:p14="http://schemas.microsoft.com/office/powerpoint/2010/main" val="1401909738"/>
+      </p:ext>
+    </p:extLst>
+  </p:cSld>
+  <p:clrMapOvr>
+    <a:masterClrMapping/>
+  </p:clrMapOvr>
+</p:sld>
+</file>
+
+<file path=ppt/slides/slide6.xml><?xml version="1.0" encoding="utf-8"?>
+<p:sld xmlns:a="http://schemas.openxmlformats.org/drawingml/2006/main" xmlns:r="http://schemas.openxmlformats.org/officeDocument/2006/relationships" xmlns:p="http://schemas.openxmlformats.org/presentationml/2006/main">
+  <p:cSld>
+    <p:spTree>
+      <p:nvGrpSpPr>
+        <p:cNvPr id="1" name=""/>
+        <p:cNvGrpSpPr/>
+        <p:nvPr/>
+      </p:nvGrpSpPr>
+      <p:grpSpPr>
+        <a:xfrm>
+          <a:off x="0" y="0"/>
+          <a:ext cx="0" cy="0"/>
+          <a:chOff x="0" y="0"/>
+          <a:chExt cx="0" cy="0"/>
+        </a:xfrm>
+      </p:grpSpPr>
+      <p:sp>
+        <p:nvSpPr>
+          <p:cNvPr id="2" name="Title 1">
+            <a:extLst>
+              <a:ext uri="{FF2B5EF4-FFF2-40B4-BE49-F238E27FC236}">
+                <a16:creationId xmlns:a16="http://schemas.microsoft.com/office/drawing/2014/main" id="{C5AE2926-441E-4658-A693-0C6DB5B1082D}"/>
+              </a:ext>
+            </a:extLst>
+          </p:cNvPr>
+          <p:cNvSpPr>
+            <a:spLocks noGrp="1"/>
+          </p:cNvSpPr>
+          <p:nvPr>
+            <p:ph type="title"/>
+          </p:nvPr>
+        </p:nvSpPr>
+        <p:spPr>
+          <a:xfrm>
+            <a:off x="838200" y="365125"/>
+            <a:ext cx="10515600" cy="931015"/>
+          </a:xfrm>
+          <a:solidFill>
+            <a:schemeClr val="tx1"/>
+          </a:solidFill>
+        </p:spPr>
+        <p:txBody>
+          <a:bodyPr/>
+          <a:lstStyle/>
+          <a:p>
+            <a:pPr algn="ctr"/>
+            <a:r>
+              <a:rPr lang="en-US" b="1" dirty="0">
+                <a:solidFill>
+                  <a:schemeClr val="bg1"/>
+                </a:solidFill>
+              </a:rPr>
+              <a:t>Result</a:t>
+            </a:r>
+          </a:p>
+        </p:txBody>
+      </p:sp>
+      <p:pic>
+        <p:nvPicPr>
+          <p:cNvPr id="5" name="Content Placeholder 4">
+            <a:extLst>
+              <a:ext uri="{FF2B5EF4-FFF2-40B4-BE49-F238E27FC236}">
+                <a16:creationId xmlns:a16="http://schemas.microsoft.com/office/drawing/2014/main" id="{69EA6A83-DB6E-40D0-BDBF-7C0A511DABD8}"/>
+              </a:ext>
+            </a:extLst>
+          </p:cNvPr>
+          <p:cNvPicPr>
+            <a:picLocks noGrp="1" noChangeAspect="1"/>
+          </p:cNvPicPr>
+          <p:nvPr>
+            <p:ph idx="1"/>
+          </p:nvPr>
+        </p:nvPicPr>
+        <p:blipFill>
+          <a:blip r:embed="rId2">
+            <a:extLst>
+              <a:ext uri="{28A0092B-C50C-407E-A947-70E740481C1C}">
+                <a14:useLocalDpi xmlns:a14="http://schemas.microsoft.com/office/drawing/2010/main" val="0"/>
+              </a:ext>
+            </a:extLst>
+          </a:blip>
+          <a:stretch>
+            <a:fillRect/>
+          </a:stretch>
+        </p:blipFill>
+        <p:spPr>
+          <a:xfrm>
+            <a:off x="692458" y="1529055"/>
+            <a:ext cx="11385453" cy="5209096"/>
+          </a:xfrm>
+        </p:spPr>
+      </p:pic>
+    </p:spTree>
+    <p:extLst>
+      <p:ext uri="{BB962C8B-B14F-4D97-AF65-F5344CB8AC3E}">
+        <p14:creationId xmlns:p14="http://schemas.microsoft.com/office/powerpoint/2010/main" val="3401080652"/>
+      </p:ext>
+    </p:extLst>
+  </p:cSld>
+  <p:clrMapOvr>
+    <a:masterClrMapping/>
+  </p:clrMapOvr>
+</p:sld>
+</file>
+
+<file path=ppt/slides/slide7.xml><?xml version="1.0" encoding="utf-8"?>
 <p:sld xmlns:a="http://schemas.openxmlformats.org/drawingml/2006/main" xmlns:r="http://schemas.openxmlformats.org/officeDocument/2006/relationships" xmlns:p="http://schemas.openxmlformats.org/presentationml/2006/main">
   <p:cSld>
     <p:bg>
@@ -6765,7 +7348,7 @@
 </p:sld>
 </file>
 
-<file path=ppt/slides/slide6.xml><?xml version="1.0" encoding="utf-8"?>
+<file path=ppt/slides/slide8.xml><?xml version="1.0" encoding="utf-8"?>
 <p:sld xmlns:a="http://schemas.openxmlformats.org/drawingml/2006/main" xmlns:r="http://schemas.openxmlformats.org/officeDocument/2006/relationships" xmlns:p="http://schemas.openxmlformats.org/presentationml/2006/main">
   <p:cSld>
     <p:bg>
@@ -6978,172 +7561,6 @@
 </p:sld>
 </file>
 
-<file path=ppt/slides/slide7.xml><?xml version="1.0" encoding="utf-8"?>
-<p:sld xmlns:a="http://schemas.openxmlformats.org/drawingml/2006/main" xmlns:r="http://schemas.openxmlformats.org/officeDocument/2006/relationships" xmlns:p="http://schemas.openxmlformats.org/presentationml/2006/main">
-  <p:cSld>
-    <p:spTree>
-      <p:nvGrpSpPr>
-        <p:cNvPr id="1" name=""/>
-        <p:cNvGrpSpPr/>
-        <p:nvPr/>
-      </p:nvGrpSpPr>
-      <p:grpSpPr>
-        <a:xfrm>
-          <a:off x="0" y="0"/>
-          <a:ext cx="0" cy="0"/>
-          <a:chOff x="0" y="0"/>
-          <a:chExt cx="0" cy="0"/>
-        </a:xfrm>
-      </p:grpSpPr>
-      <p:sp>
-        <p:nvSpPr>
-          <p:cNvPr id="2" name="Title 1">
-            <a:extLst>
-              <a:ext uri="{FF2B5EF4-FFF2-40B4-BE49-F238E27FC236}">
-                <a16:creationId xmlns:a16="http://schemas.microsoft.com/office/drawing/2014/main" id="{2B572532-9B46-4E69-A8A4-3953719C4205}"/>
-              </a:ext>
-            </a:extLst>
-          </p:cNvPr>
-          <p:cNvSpPr>
-            <a:spLocks noGrp="1"/>
-          </p:cNvSpPr>
-          <p:nvPr>
-            <p:ph type="title"/>
-          </p:nvPr>
-        </p:nvSpPr>
-        <p:spPr/>
-        <p:txBody>
-          <a:bodyPr/>
-          <a:lstStyle/>
-          <a:p>
-            <a:r>
-              <a:rPr lang="en-US" dirty="0"/>
-              <a:t>Results</a:t>
-            </a:r>
-          </a:p>
-        </p:txBody>
-      </p:sp>
-      <p:sp>
-        <p:nvSpPr>
-          <p:cNvPr id="3" name="Content Placeholder 2">
-            <a:extLst>
-              <a:ext uri="{FF2B5EF4-FFF2-40B4-BE49-F238E27FC236}">
-                <a16:creationId xmlns:a16="http://schemas.microsoft.com/office/drawing/2014/main" id="{618F987B-DE5F-4881-B113-C813453C4541}"/>
-              </a:ext>
-            </a:extLst>
-          </p:cNvPr>
-          <p:cNvSpPr>
-            <a:spLocks noGrp="1"/>
-          </p:cNvSpPr>
-          <p:nvPr>
-            <p:ph idx="1"/>
-          </p:nvPr>
-        </p:nvSpPr>
-        <p:spPr/>
-        <p:txBody>
-          <a:bodyPr/>
-          <a:lstStyle/>
-          <a:p>
-            <a:endParaRPr lang="en-US"/>
-          </a:p>
-        </p:txBody>
-      </p:sp>
-    </p:spTree>
-    <p:extLst>
-      <p:ext uri="{BB962C8B-B14F-4D97-AF65-F5344CB8AC3E}">
-        <p14:creationId xmlns:p14="http://schemas.microsoft.com/office/powerpoint/2010/main" val="701720648"/>
-      </p:ext>
-    </p:extLst>
-  </p:cSld>
-  <p:clrMapOvr>
-    <a:masterClrMapping/>
-  </p:clrMapOvr>
-</p:sld>
-</file>
-
-<file path=ppt/slides/slide8.xml><?xml version="1.0" encoding="utf-8"?>
-<p:sld xmlns:a="http://schemas.openxmlformats.org/drawingml/2006/main" xmlns:r="http://schemas.openxmlformats.org/officeDocument/2006/relationships" xmlns:p="http://schemas.openxmlformats.org/presentationml/2006/main">
-  <p:cSld>
-    <p:spTree>
-      <p:nvGrpSpPr>
-        <p:cNvPr id="1" name=""/>
-        <p:cNvGrpSpPr/>
-        <p:nvPr/>
-      </p:nvGrpSpPr>
-      <p:grpSpPr>
-        <a:xfrm>
-          <a:off x="0" y="0"/>
-          <a:ext cx="0" cy="0"/>
-          <a:chOff x="0" y="0"/>
-          <a:chExt cx="0" cy="0"/>
-        </a:xfrm>
-      </p:grpSpPr>
-      <p:sp>
-        <p:nvSpPr>
-          <p:cNvPr id="2" name="Title 1">
-            <a:extLst>
-              <a:ext uri="{FF2B5EF4-FFF2-40B4-BE49-F238E27FC236}">
-                <a16:creationId xmlns:a16="http://schemas.microsoft.com/office/drawing/2014/main" id="{A14CBBAD-0CE9-48B6-9E2E-9195F5368CBC}"/>
-              </a:ext>
-            </a:extLst>
-          </p:cNvPr>
-          <p:cNvSpPr>
-            <a:spLocks noGrp="1"/>
-          </p:cNvSpPr>
-          <p:nvPr>
-            <p:ph type="title"/>
-          </p:nvPr>
-        </p:nvSpPr>
-        <p:spPr/>
-        <p:txBody>
-          <a:bodyPr/>
-          <a:lstStyle/>
-          <a:p>
-            <a:r>
-              <a:rPr lang="en-US" dirty="0"/>
-              <a:t>GPT-2 example</a:t>
-            </a:r>
-          </a:p>
-        </p:txBody>
-      </p:sp>
-      <p:sp>
-        <p:nvSpPr>
-          <p:cNvPr id="3" name="Content Placeholder 2">
-            <a:extLst>
-              <a:ext uri="{FF2B5EF4-FFF2-40B4-BE49-F238E27FC236}">
-                <a16:creationId xmlns:a16="http://schemas.microsoft.com/office/drawing/2014/main" id="{3ABF7464-2212-4E7C-A29A-59BA680D931E}"/>
-              </a:ext>
-            </a:extLst>
-          </p:cNvPr>
-          <p:cNvSpPr>
-            <a:spLocks noGrp="1"/>
-          </p:cNvSpPr>
-          <p:nvPr>
-            <p:ph idx="1"/>
-          </p:nvPr>
-        </p:nvSpPr>
-        <p:spPr/>
-        <p:txBody>
-          <a:bodyPr/>
-          <a:lstStyle/>
-          <a:p>
-            <a:endParaRPr lang="en-US"/>
-          </a:p>
-        </p:txBody>
-      </p:sp>
-    </p:spTree>
-    <p:extLst>
-      <p:ext uri="{BB962C8B-B14F-4D97-AF65-F5344CB8AC3E}">
-        <p14:creationId xmlns:p14="http://schemas.microsoft.com/office/powerpoint/2010/main" val="3055925487"/>
-      </p:ext>
-    </p:extLst>
-  </p:cSld>
-  <p:clrMapOvr>
-    <a:masterClrMapping/>
-  </p:clrMapOvr>
-</p:sld>
-</file>
-
 <file path=ppt/slides/slide9.xml><?xml version="1.0" encoding="utf-8"?>
 <p:sld xmlns:a="http://schemas.openxmlformats.org/drawingml/2006/main" xmlns:r="http://schemas.openxmlformats.org/officeDocument/2006/relationships" xmlns:p="http://schemas.openxmlformats.org/presentationml/2006/main">
   <p:cSld>
@@ -7166,7 +7583,7 @@
           <p:cNvPr id="2" name="Title 1">
             <a:extLst>
               <a:ext uri="{FF2B5EF4-FFF2-40B4-BE49-F238E27FC236}">
-                <a16:creationId xmlns:a16="http://schemas.microsoft.com/office/drawing/2014/main" id="{D5E81FA9-A7BD-4DBA-BB07-C7542EB3D62C}"/>
+                <a16:creationId xmlns:a16="http://schemas.microsoft.com/office/drawing/2014/main" id="{2B572532-9B46-4E69-A8A4-3953719C4205}"/>
               </a:ext>
             </a:extLst>
           </p:cNvPr>
@@ -7183,10 +7600,9 @@
           <a:lstStyle/>
           <a:p>
             <a:r>
-              <a:rPr lang="en-US" dirty="0" err="1"/>
-              <a:t>Discrepencies</a:t>
-            </a:r>
-            <a:endParaRPr lang="en-US" dirty="0"/>
+              <a:rPr lang="en-US" dirty="0"/>
+              <a:t>Results</a:t>
+            </a:r>
           </a:p>
         </p:txBody>
       </p:sp>
@@ -7195,7 +7611,7 @@
           <p:cNvPr id="3" name="Content Placeholder 2">
             <a:extLst>
               <a:ext uri="{FF2B5EF4-FFF2-40B4-BE49-F238E27FC236}">
-                <a16:creationId xmlns:a16="http://schemas.microsoft.com/office/drawing/2014/main" id="{825E07A4-264C-4B8D-8110-2FD3727CE547}"/>
+                <a16:creationId xmlns:a16="http://schemas.microsoft.com/office/drawing/2014/main" id="{618F987B-DE5F-4881-B113-C813453C4541}"/>
               </a:ext>
             </a:extLst>
           </p:cNvPr>
@@ -7211,20 +7627,14 @@
           <a:bodyPr/>
           <a:lstStyle/>
           <a:p>
-            <a:r>
-              <a:rPr lang="en-US" dirty="0"/>
-              <a:t>Paragraph window size should be larger than summary window size</a:t>
-            </a:r>
-          </a:p>
-          <a:p>
-            <a:endParaRPr lang="en-US" dirty="0"/>
+            <a:endParaRPr lang="en-US"/>
           </a:p>
         </p:txBody>
       </p:sp>
     </p:spTree>
     <p:extLst>
       <p:ext uri="{BB962C8B-B14F-4D97-AF65-F5344CB8AC3E}">
-        <p14:creationId xmlns:p14="http://schemas.microsoft.com/office/powerpoint/2010/main" val="3897350998"/>
+        <p14:creationId xmlns:p14="http://schemas.microsoft.com/office/powerpoint/2010/main" val="701720648"/>
       </p:ext>
     </p:extLst>
   </p:cSld>

--- a/presentation/Nerdy Nets – GPT2.pptx
+++ b/presentation/Nerdy Nets – GPT2.pptx
@@ -122,7 +122,7 @@
   </p:defaultTextStyle>
   <p:extLst>
     <p:ext uri="{EFAFB233-063F-42B5-8137-9DF3F51BA10A}">
-      <p15:sldGuideLst xmlns:p15="http://schemas.microsoft.com/office/powerpoint/2012/main"/>
+      <p15:sldGuideLst xmlns:p15="http://schemas.microsoft.com/office/powerpoint/2012/main" xmlns=""/>
     </p:ext>
   </p:extLst>
 </p:presentation>
@@ -1033,14 +1033,35 @@
         </dgm:presLayoutVars>
       </dgm:prSet>
       <dgm:spPr/>
+      <dgm:t>
+        <a:bodyPr/>
+        <a:lstStyle/>
+        <a:p>
+          <a:endParaRPr lang="en-IN"/>
+        </a:p>
+      </dgm:t>
     </dgm:pt>
     <dgm:pt modelId="{1974971E-68CB-4306-BF65-0B0B0EA8F173}" type="pres">
       <dgm:prSet presAssocID="{A57401C0-ED3C-4888-AD33-D1E01EC8721E}" presName="sibTrans" presStyleLbl="sibTrans2D1" presStyleIdx="0" presStyleCnt="2"/>
       <dgm:spPr/>
+      <dgm:t>
+        <a:bodyPr/>
+        <a:lstStyle/>
+        <a:p>
+          <a:endParaRPr lang="en-IN"/>
+        </a:p>
+      </dgm:t>
     </dgm:pt>
     <dgm:pt modelId="{0E90EB9C-4BC6-4E9C-BA6F-C4466E3B4840}" type="pres">
       <dgm:prSet presAssocID="{A57401C0-ED3C-4888-AD33-D1E01EC8721E}" presName="connectorText" presStyleLbl="sibTrans2D1" presStyleIdx="0" presStyleCnt="2"/>
       <dgm:spPr/>
+      <dgm:t>
+        <a:bodyPr/>
+        <a:lstStyle/>
+        <a:p>
+          <a:endParaRPr lang="en-IN"/>
+        </a:p>
+      </dgm:t>
     </dgm:pt>
     <dgm:pt modelId="{73748FE1-9B2B-4F87-9E5F-B7A98DE56877}" type="pres">
       <dgm:prSet presAssocID="{5C2FE203-9476-42DC-9F11-12232B9531FE}" presName="node" presStyleLbl="node1" presStyleIdx="1" presStyleCnt="3">
@@ -1049,14 +1070,35 @@
         </dgm:presLayoutVars>
       </dgm:prSet>
       <dgm:spPr/>
+      <dgm:t>
+        <a:bodyPr/>
+        <a:lstStyle/>
+        <a:p>
+          <a:endParaRPr lang="en-IN"/>
+        </a:p>
+      </dgm:t>
     </dgm:pt>
     <dgm:pt modelId="{A761A014-2401-4D9F-BF16-452E44E30B4B}" type="pres">
       <dgm:prSet presAssocID="{6CDD6604-4036-4910-A55F-DAB7842945DC}" presName="sibTrans" presStyleLbl="sibTrans2D1" presStyleIdx="1" presStyleCnt="2"/>
       <dgm:spPr/>
+      <dgm:t>
+        <a:bodyPr/>
+        <a:lstStyle/>
+        <a:p>
+          <a:endParaRPr lang="en-IN"/>
+        </a:p>
+      </dgm:t>
     </dgm:pt>
     <dgm:pt modelId="{3C876004-D34B-45EE-B16E-1F94E12EEB92}" type="pres">
       <dgm:prSet presAssocID="{6CDD6604-4036-4910-A55F-DAB7842945DC}" presName="connectorText" presStyleLbl="sibTrans2D1" presStyleIdx="1" presStyleCnt="2"/>
       <dgm:spPr/>
+      <dgm:t>
+        <a:bodyPr/>
+        <a:lstStyle/>
+        <a:p>
+          <a:endParaRPr lang="en-IN"/>
+        </a:p>
+      </dgm:t>
     </dgm:pt>
     <dgm:pt modelId="{889DCCA8-4C08-411C-A283-1220BE72F5CB}" type="pres">
       <dgm:prSet presAssocID="{33D4AAF0-656B-4035-B810-DCE7C83A01A5}" presName="node" presStyleLbl="node1" presStyleIdx="2" presStyleCnt="3">
@@ -1065,20 +1107,27 @@
         </dgm:presLayoutVars>
       </dgm:prSet>
       <dgm:spPr/>
+      <dgm:t>
+        <a:bodyPr/>
+        <a:lstStyle/>
+        <a:p>
+          <a:endParaRPr lang="en-IN"/>
+        </a:p>
+      </dgm:t>
     </dgm:pt>
   </dgm:ptLst>
   <dgm:cxnLst>
-    <dgm:cxn modelId="{0B616A00-083A-4389-A936-3D96B3CA1F0E}" srcId="{4EFED4B5-0E6C-4141-B260-1C2F565991AB}" destId="{A5D96A17-C8DC-425A-B823-281239CB7083}" srcOrd="0" destOrd="0" parTransId="{3A292913-EEE1-4CEA-9FA4-9457BF7159EC}" sibTransId="{A57401C0-ED3C-4888-AD33-D1E01EC8721E}"/>
-    <dgm:cxn modelId="{921B910A-56B3-4ED1-99F1-F8D14C110F55}" type="presOf" srcId="{A5D96A17-C8DC-425A-B823-281239CB7083}" destId="{B17AF9CD-D36F-406E-85C1-BE5EED133A1F}" srcOrd="0" destOrd="0" presId="urn:microsoft.com/office/officeart/2005/8/layout/process1"/>
-    <dgm:cxn modelId="{EAD0C517-AC1F-43EC-BD29-38290F258770}" srcId="{4EFED4B5-0E6C-4141-B260-1C2F565991AB}" destId="{5C2FE203-9476-42DC-9F11-12232B9531FE}" srcOrd="1" destOrd="0" parTransId="{0F0080C0-87B6-419D-ADAB-F83BCFE1FB04}" sibTransId="{6CDD6604-4036-4910-A55F-DAB7842945DC}"/>
-    <dgm:cxn modelId="{6557CD2F-66A9-4D31-9B82-55BA08E29CE4}" type="presOf" srcId="{33D4AAF0-656B-4035-B810-DCE7C83A01A5}" destId="{889DCCA8-4C08-411C-A283-1220BE72F5CB}" srcOrd="0" destOrd="0" presId="urn:microsoft.com/office/officeart/2005/8/layout/process1"/>
+    <dgm:cxn modelId="{196C2C84-D952-401A-9292-C2FCCF1EA05C}" type="presOf" srcId="{A57401C0-ED3C-4888-AD33-D1E01EC8721E}" destId="{1974971E-68CB-4306-BF65-0B0B0EA8F173}" srcOrd="0" destOrd="0" presId="urn:microsoft.com/office/officeart/2005/8/layout/process1"/>
     <dgm:cxn modelId="{FAB77838-5A21-461B-AC46-BBA3FC56C624}" type="presOf" srcId="{A57401C0-ED3C-4888-AD33-D1E01EC8721E}" destId="{0E90EB9C-4BC6-4E9C-BA6F-C4466E3B4840}" srcOrd="1" destOrd="0" presId="urn:microsoft.com/office/officeart/2005/8/layout/process1"/>
     <dgm:cxn modelId="{1989F33A-A3E3-4D6D-A24A-26A79EF0E341}" type="presOf" srcId="{5C2FE203-9476-42DC-9F11-12232B9531FE}" destId="{73748FE1-9B2B-4F87-9E5F-B7A98DE56877}" srcOrd="0" destOrd="0" presId="urn:microsoft.com/office/officeart/2005/8/layout/process1"/>
+    <dgm:cxn modelId="{921B910A-56B3-4ED1-99F1-F8D14C110F55}" type="presOf" srcId="{A5D96A17-C8DC-425A-B823-281239CB7083}" destId="{B17AF9CD-D36F-406E-85C1-BE5EED133A1F}" srcOrd="0" destOrd="0" presId="urn:microsoft.com/office/officeart/2005/8/layout/process1"/>
     <dgm:cxn modelId="{AD447D4D-120F-4D27-8E29-5059917C3CCE}" type="presOf" srcId="{4EFED4B5-0E6C-4141-B260-1C2F565991AB}" destId="{9E3C89F7-A0E8-40D2-9FEB-E63633AC81E9}" srcOrd="0" destOrd="0" presId="urn:microsoft.com/office/officeart/2005/8/layout/process1"/>
+    <dgm:cxn modelId="{6557CD2F-66A9-4D31-9B82-55BA08E29CE4}" type="presOf" srcId="{33D4AAF0-656B-4035-B810-DCE7C83A01A5}" destId="{889DCCA8-4C08-411C-A283-1220BE72F5CB}" srcOrd="0" destOrd="0" presId="urn:microsoft.com/office/officeart/2005/8/layout/process1"/>
     <dgm:cxn modelId="{6E9FE155-DF2D-43B0-95FA-0FBD2FF663AD}" srcId="{4EFED4B5-0E6C-4141-B260-1C2F565991AB}" destId="{33D4AAF0-656B-4035-B810-DCE7C83A01A5}" srcOrd="2" destOrd="0" parTransId="{250527D0-49CF-42C2-815E-4B3BD2416BAC}" sibTransId="{BED95E51-3BC9-48F9-B6A4-777B6C68A186}"/>
-    <dgm:cxn modelId="{196C2C84-D952-401A-9292-C2FCCF1EA05C}" type="presOf" srcId="{A57401C0-ED3C-4888-AD33-D1E01EC8721E}" destId="{1974971E-68CB-4306-BF65-0B0B0EA8F173}" srcOrd="0" destOrd="0" presId="urn:microsoft.com/office/officeart/2005/8/layout/process1"/>
     <dgm:cxn modelId="{ED682FC2-1112-4ABA-AC29-875A2868A596}" type="presOf" srcId="{6CDD6604-4036-4910-A55F-DAB7842945DC}" destId="{3C876004-D34B-45EE-B16E-1F94E12EEB92}" srcOrd="1" destOrd="0" presId="urn:microsoft.com/office/officeart/2005/8/layout/process1"/>
     <dgm:cxn modelId="{09EE62E8-F75E-4390-86C0-5750149B4FEB}" type="presOf" srcId="{6CDD6604-4036-4910-A55F-DAB7842945DC}" destId="{A761A014-2401-4D9F-BF16-452E44E30B4B}" srcOrd="0" destOrd="0" presId="urn:microsoft.com/office/officeart/2005/8/layout/process1"/>
+    <dgm:cxn modelId="{0B616A00-083A-4389-A936-3D96B3CA1F0E}" srcId="{4EFED4B5-0E6C-4141-B260-1C2F565991AB}" destId="{A5D96A17-C8DC-425A-B823-281239CB7083}" srcOrd="0" destOrd="0" parTransId="{3A292913-EEE1-4CEA-9FA4-9457BF7159EC}" sibTransId="{A57401C0-ED3C-4888-AD33-D1E01EC8721E}"/>
+    <dgm:cxn modelId="{EAD0C517-AC1F-43EC-BD29-38290F258770}" srcId="{4EFED4B5-0E6C-4141-B260-1C2F565991AB}" destId="{5C2FE203-9476-42DC-9F11-12232B9531FE}" srcOrd="1" destOrd="0" parTransId="{0F0080C0-87B6-419D-ADAB-F83BCFE1FB04}" sibTransId="{6CDD6604-4036-4910-A55F-DAB7842945DC}"/>
     <dgm:cxn modelId="{562FE345-2ED4-4753-B68B-D3C03A7E5AA0}" type="presParOf" srcId="{9E3C89F7-A0E8-40D2-9FEB-E63633AC81E9}" destId="{B17AF9CD-D36F-406E-85C1-BE5EED133A1F}" srcOrd="0" destOrd="0" presId="urn:microsoft.com/office/officeart/2005/8/layout/process1"/>
     <dgm:cxn modelId="{FA2F0BCB-A072-4384-9CC6-4C26EEE15C3B}" type="presParOf" srcId="{9E3C89F7-A0E8-40D2-9FEB-E63633AC81E9}" destId="{1974971E-68CB-4306-BF65-0B0B0EA8F173}" srcOrd="1" destOrd="0" presId="urn:microsoft.com/office/officeart/2005/8/layout/process1"/>
     <dgm:cxn modelId="{8A86FB7B-4196-4E79-8A26-DA68EC28A93C}" type="presParOf" srcId="{1974971E-68CB-4306-BF65-0B0B0EA8F173}" destId="{0E90EB9C-4BC6-4E9C-BA6F-C4466E3B4840}" srcOrd="0" destOrd="0" presId="urn:microsoft.com/office/officeart/2005/8/layout/process1"/>
@@ -1091,7 +1140,7 @@
   <dgm:whole/>
   <dgm:extLst>
     <a:ext uri="http://schemas.microsoft.com/office/drawing/2008/diagram">
-      <dsp:dataModelExt xmlns:dsp="http://schemas.microsoft.com/office/drawing/2008/diagram" relId="rId6" minVer="http://schemas.openxmlformats.org/drawingml/2006/diagram"/>
+      <dsp:dataModelExt xmlns:dsp="http://schemas.microsoft.com/office/drawing/2008/diagram" xmlns="" relId="rId6" minVer="http://schemas.openxmlformats.org/drawingml/2006/diagram"/>
     </a:ext>
   </dgm:extLst>
 </dgm:dataModel>
@@ -2775,6 +2824,7 @@
           <a:p>
             <a:fld id="{10DC04EC-A672-4505-B72E-8E66C59A9220}" type="datetimeFigureOut">
               <a:rPr lang="en-US" smtClean="0"/>
+              <a:pPr/>
               <a:t>12/11/2019</a:t>
             </a:fld>
             <a:endParaRPr lang="en-US"/>
@@ -2933,6 +2983,7 @@
           <a:p>
             <a:fld id="{EEEE7B7C-3297-47F1-8A13-25033D2C878F}" type="slidenum">
               <a:rPr lang="en-US" smtClean="0"/>
+              <a:pPr/>
               <a:t>‹#›</a:t>
             </a:fld>
             <a:endParaRPr lang="en-US"/>
@@ -2942,7 +2993,7 @@
     </p:spTree>
     <p:extLst>
       <p:ext uri="{BB962C8B-B14F-4D97-AF65-F5344CB8AC3E}">
-        <p14:creationId xmlns:p14="http://schemas.microsoft.com/office/powerpoint/2010/main" val="2803915124"/>
+        <p14:creationId xmlns:p14="http://schemas.microsoft.com/office/powerpoint/2010/main" xmlns="" val="2803915124"/>
       </p:ext>
     </p:extLst>
   </p:cSld>
@@ -4099,6 +4150,7 @@
           <a:p>
             <a:fld id="{6FDB0D18-750A-44C5-B489-B78F1DD3A867}" type="datetimeFigureOut">
               <a:rPr lang="en-US" smtClean="0"/>
+              <a:pPr/>
               <a:t>12/11/2019</a:t>
             </a:fld>
             <a:endParaRPr lang="en-US"/>
@@ -4141,6 +4193,7 @@
           <a:p>
             <a:fld id="{E7B7404C-0626-48E1-A321-E7A6CFC2CA52}" type="slidenum">
               <a:rPr lang="en-US" smtClean="0"/>
+              <a:pPr/>
               <a:t>‹#›</a:t>
             </a:fld>
             <a:endParaRPr lang="en-US"/>
@@ -4150,7 +4203,7 @@
     </p:spTree>
     <p:extLst>
       <p:ext uri="{BB962C8B-B14F-4D97-AF65-F5344CB8AC3E}">
-        <p14:creationId xmlns:p14="http://schemas.microsoft.com/office/powerpoint/2010/main" val="3853648621"/>
+        <p14:creationId xmlns:p14="http://schemas.microsoft.com/office/powerpoint/2010/main" xmlns="" val="3853648621"/>
       </p:ext>
     </p:extLst>
   </p:cSld>
@@ -4350,6 +4403,7 @@
           <a:p>
             <a:fld id="{6FDB0D18-750A-44C5-B489-B78F1DD3A867}" type="datetimeFigureOut">
               <a:rPr lang="en-US" smtClean="0"/>
+              <a:pPr/>
               <a:t>12/11/2019</a:t>
             </a:fld>
             <a:endParaRPr lang="en-US"/>
@@ -4392,6 +4446,7 @@
           <a:p>
             <a:fld id="{E7B7404C-0626-48E1-A321-E7A6CFC2CA52}" type="slidenum">
               <a:rPr lang="en-US" smtClean="0"/>
+              <a:pPr/>
               <a:t>‹#›</a:t>
             </a:fld>
             <a:endParaRPr lang="en-US"/>
@@ -4401,7 +4456,7 @@
     </p:spTree>
     <p:extLst>
       <p:ext uri="{BB962C8B-B14F-4D97-AF65-F5344CB8AC3E}">
-        <p14:creationId xmlns:p14="http://schemas.microsoft.com/office/powerpoint/2010/main" val="745257934"/>
+        <p14:creationId xmlns:p14="http://schemas.microsoft.com/office/powerpoint/2010/main" xmlns="" val="745257934"/>
       </p:ext>
     </p:extLst>
   </p:cSld>
@@ -4664,6 +4719,7 @@
           <a:p>
             <a:fld id="{6FDB0D18-750A-44C5-B489-B78F1DD3A867}" type="datetimeFigureOut">
               <a:rPr lang="en-US" smtClean="0"/>
+              <a:pPr/>
               <a:t>12/11/2019</a:t>
             </a:fld>
             <a:endParaRPr lang="en-US"/>
@@ -4706,6 +4762,7 @@
           <a:p>
             <a:fld id="{E7B7404C-0626-48E1-A321-E7A6CFC2CA52}" type="slidenum">
               <a:rPr lang="en-US" smtClean="0"/>
+              <a:pPr/>
               <a:t>‹#›</a:t>
             </a:fld>
             <a:endParaRPr lang="en-US"/>
@@ -4797,7 +4854,7 @@
     </p:spTree>
     <p:extLst>
       <p:ext uri="{BB962C8B-B14F-4D97-AF65-F5344CB8AC3E}">
-        <p14:creationId xmlns:p14="http://schemas.microsoft.com/office/powerpoint/2010/main" val="3240018023"/>
+        <p14:creationId xmlns:p14="http://schemas.microsoft.com/office/powerpoint/2010/main" xmlns="" val="3240018023"/>
       </p:ext>
     </p:extLst>
   </p:cSld>
@@ -4997,6 +5054,7 @@
           <a:p>
             <a:fld id="{6FDB0D18-750A-44C5-B489-B78F1DD3A867}" type="datetimeFigureOut">
               <a:rPr lang="en-US" smtClean="0"/>
+              <a:pPr/>
               <a:t>12/11/2019</a:t>
             </a:fld>
             <a:endParaRPr lang="en-US"/>
@@ -5039,6 +5097,7 @@
           <a:p>
             <a:fld id="{E7B7404C-0626-48E1-A321-E7A6CFC2CA52}" type="slidenum">
               <a:rPr lang="en-US" smtClean="0"/>
+              <a:pPr/>
               <a:t>‹#›</a:t>
             </a:fld>
             <a:endParaRPr lang="en-US"/>
@@ -5048,7 +5107,7 @@
     </p:spTree>
     <p:extLst>
       <p:ext uri="{BB962C8B-B14F-4D97-AF65-F5344CB8AC3E}">
-        <p14:creationId xmlns:p14="http://schemas.microsoft.com/office/powerpoint/2010/main" val="2055761591"/>
+        <p14:creationId xmlns:p14="http://schemas.microsoft.com/office/powerpoint/2010/main" xmlns="" val="2055761591"/>
       </p:ext>
     </p:extLst>
   </p:cSld>
@@ -5311,6 +5370,7 @@
           <a:p>
             <a:fld id="{6FDB0D18-750A-44C5-B489-B78F1DD3A867}" type="datetimeFigureOut">
               <a:rPr lang="en-US" smtClean="0"/>
+              <a:pPr/>
               <a:t>12/11/2019</a:t>
             </a:fld>
             <a:endParaRPr lang="en-US"/>
@@ -5353,6 +5413,7 @@
           <a:p>
             <a:fld id="{E7B7404C-0626-48E1-A321-E7A6CFC2CA52}" type="slidenum">
               <a:rPr lang="en-US" smtClean="0"/>
+              <a:pPr/>
               <a:t>‹#›</a:t>
             </a:fld>
             <a:endParaRPr lang="en-US"/>
@@ -5444,7 +5505,7 @@
     </p:spTree>
     <p:extLst>
       <p:ext uri="{BB962C8B-B14F-4D97-AF65-F5344CB8AC3E}">
-        <p14:creationId xmlns:p14="http://schemas.microsoft.com/office/powerpoint/2010/main" val="714244398"/>
+        <p14:creationId xmlns:p14="http://schemas.microsoft.com/office/powerpoint/2010/main" xmlns="" val="714244398"/>
       </p:ext>
     </p:extLst>
   </p:cSld>
@@ -5704,6 +5765,7 @@
           <a:p>
             <a:fld id="{6FDB0D18-750A-44C5-B489-B78F1DD3A867}" type="datetimeFigureOut">
               <a:rPr lang="en-US" smtClean="0"/>
+              <a:pPr/>
               <a:t>12/11/2019</a:t>
             </a:fld>
             <a:endParaRPr lang="en-US"/>
@@ -5746,6 +5808,7 @@
           <a:p>
             <a:fld id="{E7B7404C-0626-48E1-A321-E7A6CFC2CA52}" type="slidenum">
               <a:rPr lang="en-US" smtClean="0"/>
+              <a:pPr/>
               <a:t>‹#›</a:t>
             </a:fld>
             <a:endParaRPr lang="en-US"/>
@@ -5755,7 +5818,7 @@
     </p:spTree>
     <p:extLst>
       <p:ext uri="{BB962C8B-B14F-4D97-AF65-F5344CB8AC3E}">
-        <p14:creationId xmlns:p14="http://schemas.microsoft.com/office/powerpoint/2010/main" val="524264689"/>
+        <p14:creationId xmlns:p14="http://schemas.microsoft.com/office/powerpoint/2010/main" xmlns="" val="524264689"/>
       </p:ext>
     </p:extLst>
   </p:cSld>
@@ -5874,6 +5937,7 @@
           <a:p>
             <a:fld id="{6FDB0D18-750A-44C5-B489-B78F1DD3A867}" type="datetimeFigureOut">
               <a:rPr lang="en-US" smtClean="0"/>
+              <a:pPr/>
               <a:t>12/11/2019</a:t>
             </a:fld>
             <a:endParaRPr lang="en-US"/>
@@ -5916,6 +5980,7 @@
           <a:p>
             <a:fld id="{E7B7404C-0626-48E1-A321-E7A6CFC2CA52}" type="slidenum">
               <a:rPr lang="en-US" smtClean="0"/>
+              <a:pPr/>
               <a:t>‹#›</a:t>
             </a:fld>
             <a:endParaRPr lang="en-US"/>
@@ -5925,7 +5990,7 @@
     </p:spTree>
     <p:extLst>
       <p:ext uri="{BB962C8B-B14F-4D97-AF65-F5344CB8AC3E}">
-        <p14:creationId xmlns:p14="http://schemas.microsoft.com/office/powerpoint/2010/main" val="3145860466"/>
+        <p14:creationId xmlns:p14="http://schemas.microsoft.com/office/powerpoint/2010/main" xmlns="" val="3145860466"/>
       </p:ext>
     </p:extLst>
   </p:cSld>
@@ -6054,6 +6119,7 @@
           <a:p>
             <a:fld id="{6FDB0D18-750A-44C5-B489-B78F1DD3A867}" type="datetimeFigureOut">
               <a:rPr lang="en-US" smtClean="0"/>
+              <a:pPr/>
               <a:t>12/11/2019</a:t>
             </a:fld>
             <a:endParaRPr lang="en-US"/>
@@ -6096,6 +6162,7 @@
           <a:p>
             <a:fld id="{E7B7404C-0626-48E1-A321-E7A6CFC2CA52}" type="slidenum">
               <a:rPr lang="en-US" smtClean="0"/>
+              <a:pPr/>
               <a:t>‹#›</a:t>
             </a:fld>
             <a:endParaRPr lang="en-US"/>
@@ -6105,7 +6172,7 @@
     </p:spTree>
     <p:extLst>
       <p:ext uri="{BB962C8B-B14F-4D97-AF65-F5344CB8AC3E}">
-        <p14:creationId xmlns:p14="http://schemas.microsoft.com/office/powerpoint/2010/main" val="3112522756"/>
+        <p14:creationId xmlns:p14="http://schemas.microsoft.com/office/powerpoint/2010/main" xmlns="" val="3112522756"/>
       </p:ext>
     </p:extLst>
   </p:cSld>
@@ -6464,7 +6531,7 @@
     </p:spTree>
     <p:extLst>
       <p:ext uri="{BB962C8B-B14F-4D97-AF65-F5344CB8AC3E}">
-        <p14:creationId xmlns:p14="http://schemas.microsoft.com/office/powerpoint/2010/main" val="1934774371"/>
+        <p14:creationId xmlns:p14="http://schemas.microsoft.com/office/powerpoint/2010/main" xmlns="" val="1934774371"/>
       </p:ext>
     </p:extLst>
   </p:cSld>
@@ -6583,6 +6650,7 @@
           <a:p>
             <a:fld id="{6FDB0D18-750A-44C5-B489-B78F1DD3A867}" type="datetimeFigureOut">
               <a:rPr lang="en-US" smtClean="0"/>
+              <a:pPr/>
               <a:t>12/11/2019</a:t>
             </a:fld>
             <a:endParaRPr lang="en-US"/>
@@ -6625,6 +6693,7 @@
           <a:p>
             <a:fld id="{E7B7404C-0626-48E1-A321-E7A6CFC2CA52}" type="slidenum">
               <a:rPr lang="en-US" smtClean="0"/>
+              <a:pPr/>
               <a:t>‹#›</a:t>
             </a:fld>
             <a:endParaRPr lang="en-US"/>
@@ -6634,7 +6703,7 @@
     </p:spTree>
     <p:extLst>
       <p:ext uri="{BB962C8B-B14F-4D97-AF65-F5344CB8AC3E}">
-        <p14:creationId xmlns:p14="http://schemas.microsoft.com/office/powerpoint/2010/main" val="1760627131"/>
+        <p14:creationId xmlns:p14="http://schemas.microsoft.com/office/powerpoint/2010/main" xmlns="" val="1760627131"/>
       </p:ext>
     </p:extLst>
   </p:cSld>
@@ -6830,6 +6899,7 @@
           <a:p>
             <a:fld id="{6FDB0D18-750A-44C5-B489-B78F1DD3A867}" type="datetimeFigureOut">
               <a:rPr lang="en-US" smtClean="0"/>
+              <a:pPr/>
               <a:t>12/11/2019</a:t>
             </a:fld>
             <a:endParaRPr lang="en-US"/>
@@ -6872,6 +6942,7 @@
           <a:p>
             <a:fld id="{E7B7404C-0626-48E1-A321-E7A6CFC2CA52}" type="slidenum">
               <a:rPr lang="en-US" smtClean="0"/>
+              <a:pPr/>
               <a:t>‹#›</a:t>
             </a:fld>
             <a:endParaRPr lang="en-US"/>
@@ -6881,7 +6952,7 @@
     </p:spTree>
     <p:extLst>
       <p:ext uri="{BB962C8B-B14F-4D97-AF65-F5344CB8AC3E}">
-        <p14:creationId xmlns:p14="http://schemas.microsoft.com/office/powerpoint/2010/main" val="1207190612"/>
+        <p14:creationId xmlns:p14="http://schemas.microsoft.com/office/powerpoint/2010/main" xmlns="" val="1207190612"/>
       </p:ext>
     </p:extLst>
   </p:cSld>
@@ -7062,6 +7133,7 @@
           <a:p>
             <a:fld id="{6FDB0D18-750A-44C5-B489-B78F1DD3A867}" type="datetimeFigureOut">
               <a:rPr lang="en-US" smtClean="0"/>
+              <a:pPr/>
               <a:t>12/11/2019</a:t>
             </a:fld>
             <a:endParaRPr lang="en-US"/>
@@ -7104,6 +7176,7 @@
           <a:p>
             <a:fld id="{E7B7404C-0626-48E1-A321-E7A6CFC2CA52}" type="slidenum">
               <a:rPr lang="en-US" smtClean="0"/>
+              <a:pPr/>
               <a:t>‹#›</a:t>
             </a:fld>
             <a:endParaRPr lang="en-US"/>
@@ -7113,7 +7186,7 @@
     </p:spTree>
     <p:extLst>
       <p:ext uri="{BB962C8B-B14F-4D97-AF65-F5344CB8AC3E}">
-        <p14:creationId xmlns:p14="http://schemas.microsoft.com/office/powerpoint/2010/main" val="2175538571"/>
+        <p14:creationId xmlns:p14="http://schemas.microsoft.com/office/powerpoint/2010/main" xmlns="" val="2175538571"/>
       </p:ext>
     </p:extLst>
   </p:cSld>
@@ -7436,6 +7509,7 @@
           <a:p>
             <a:fld id="{6FDB0D18-750A-44C5-B489-B78F1DD3A867}" type="datetimeFigureOut">
               <a:rPr lang="en-US" smtClean="0"/>
+              <a:pPr/>
               <a:t>12/11/2019</a:t>
             </a:fld>
             <a:endParaRPr lang="en-US"/>
@@ -7478,6 +7552,7 @@
           <a:p>
             <a:fld id="{E7B7404C-0626-48E1-A321-E7A6CFC2CA52}" type="slidenum">
               <a:rPr lang="en-US" smtClean="0"/>
+              <a:pPr/>
               <a:t>‹#›</a:t>
             </a:fld>
             <a:endParaRPr lang="en-US"/>
@@ -7487,7 +7562,7 @@
     </p:spTree>
     <p:extLst>
       <p:ext uri="{BB962C8B-B14F-4D97-AF65-F5344CB8AC3E}">
-        <p14:creationId xmlns:p14="http://schemas.microsoft.com/office/powerpoint/2010/main" val="3207914924"/>
+        <p14:creationId xmlns:p14="http://schemas.microsoft.com/office/powerpoint/2010/main" xmlns="" val="3207914924"/>
       </p:ext>
     </p:extLst>
   </p:cSld>
@@ -7559,6 +7634,7 @@
           <a:p>
             <a:fld id="{6FDB0D18-750A-44C5-B489-B78F1DD3A867}" type="datetimeFigureOut">
               <a:rPr lang="en-US" smtClean="0"/>
+              <a:pPr/>
               <a:t>12/11/2019</a:t>
             </a:fld>
             <a:endParaRPr lang="en-US"/>
@@ -7601,6 +7677,7 @@
           <a:p>
             <a:fld id="{E7B7404C-0626-48E1-A321-E7A6CFC2CA52}" type="slidenum">
               <a:rPr lang="en-US" smtClean="0"/>
+              <a:pPr/>
               <a:t>‹#›</a:t>
             </a:fld>
             <a:endParaRPr lang="en-US"/>
@@ -7610,7 +7687,7 @@
     </p:spTree>
     <p:extLst>
       <p:ext uri="{BB962C8B-B14F-4D97-AF65-F5344CB8AC3E}">
-        <p14:creationId xmlns:p14="http://schemas.microsoft.com/office/powerpoint/2010/main" val="2411532837"/>
+        <p14:creationId xmlns:p14="http://schemas.microsoft.com/office/powerpoint/2010/main" xmlns="" val="2411532837"/>
       </p:ext>
     </p:extLst>
   </p:cSld>
@@ -7654,6 +7731,7 @@
           <a:p>
             <a:fld id="{6FDB0D18-750A-44C5-B489-B78F1DD3A867}" type="datetimeFigureOut">
               <a:rPr lang="en-US" smtClean="0"/>
+              <a:pPr/>
               <a:t>12/11/2019</a:t>
             </a:fld>
             <a:endParaRPr lang="en-US"/>
@@ -7696,6 +7774,7 @@
           <a:p>
             <a:fld id="{E7B7404C-0626-48E1-A321-E7A6CFC2CA52}" type="slidenum">
               <a:rPr lang="en-US" smtClean="0"/>
+              <a:pPr/>
               <a:t>‹#›</a:t>
             </a:fld>
             <a:endParaRPr lang="en-US"/>
@@ -7705,7 +7784,7 @@
     </p:spTree>
     <p:extLst>
       <p:ext uri="{BB962C8B-B14F-4D97-AF65-F5344CB8AC3E}">
-        <p14:creationId xmlns:p14="http://schemas.microsoft.com/office/powerpoint/2010/main" val="3914580924"/>
+        <p14:creationId xmlns:p14="http://schemas.microsoft.com/office/powerpoint/2010/main" xmlns="" val="3914580924"/>
       </p:ext>
     </p:extLst>
   </p:cSld>
@@ -7909,6 +7988,7 @@
           <a:p>
             <a:fld id="{6FDB0D18-750A-44C5-B489-B78F1DD3A867}" type="datetimeFigureOut">
               <a:rPr lang="en-US" smtClean="0"/>
+              <a:pPr/>
               <a:t>12/11/2019</a:t>
             </a:fld>
             <a:endParaRPr lang="en-US"/>
@@ -7951,6 +8031,7 @@
           <a:p>
             <a:fld id="{E7B7404C-0626-48E1-A321-E7A6CFC2CA52}" type="slidenum">
               <a:rPr lang="en-US" smtClean="0"/>
+              <a:pPr/>
               <a:t>‹#›</a:t>
             </a:fld>
             <a:endParaRPr lang="en-US"/>
@@ -7960,7 +8041,7 @@
     </p:spTree>
     <p:extLst>
       <p:ext uri="{BB962C8B-B14F-4D97-AF65-F5344CB8AC3E}">
-        <p14:creationId xmlns:p14="http://schemas.microsoft.com/office/powerpoint/2010/main" val="3070960532"/>
+        <p14:creationId xmlns:p14="http://schemas.microsoft.com/office/powerpoint/2010/main" xmlns="" val="3070960532"/>
       </p:ext>
     </p:extLst>
   </p:cSld>
@@ -8191,6 +8272,7 @@
           <a:p>
             <a:fld id="{E7B7404C-0626-48E1-A321-E7A6CFC2CA52}" type="slidenum">
               <a:rPr lang="en-US" smtClean="0"/>
+              <a:pPr/>
               <a:t>‹#›</a:t>
             </a:fld>
             <a:endParaRPr lang="en-US"/>
@@ -8214,6 +8296,7 @@
           <a:p>
             <a:fld id="{6FDB0D18-750A-44C5-B489-B78F1DD3A867}" type="datetimeFigureOut">
               <a:rPr lang="en-US" smtClean="0"/>
+              <a:pPr/>
               <a:t>12/11/2019</a:t>
             </a:fld>
             <a:endParaRPr lang="en-US"/>
@@ -8223,7 +8306,7 @@
     </p:spTree>
     <p:extLst>
       <p:ext uri="{BB962C8B-B14F-4D97-AF65-F5344CB8AC3E}">
-        <p14:creationId xmlns:p14="http://schemas.microsoft.com/office/powerpoint/2010/main" val="4041125811"/>
+        <p14:creationId xmlns:p14="http://schemas.microsoft.com/office/powerpoint/2010/main" xmlns="" val="4041125811"/>
       </p:ext>
     </p:extLst>
   </p:cSld>
@@ -8916,6 +8999,7 @@
           <a:p>
             <a:fld id="{6FDB0D18-750A-44C5-B489-B78F1DD3A867}" type="datetimeFigureOut">
               <a:rPr lang="en-US" smtClean="0"/>
+              <a:pPr/>
               <a:t>12/11/2019</a:t>
             </a:fld>
             <a:endParaRPr lang="en-US"/>
@@ -8992,6 +9076,7 @@
           <a:p>
             <a:fld id="{E7B7404C-0626-48E1-A321-E7A6CFC2CA52}" type="slidenum">
               <a:rPr lang="en-US" smtClean="0"/>
+              <a:pPr/>
               <a:t>‹#›</a:t>
             </a:fld>
             <a:endParaRPr lang="en-US"/>
@@ -9001,7 +9086,7 @@
     </p:spTree>
     <p:extLst>
       <p:ext uri="{BB962C8B-B14F-4D97-AF65-F5344CB8AC3E}">
-        <p14:creationId xmlns:p14="http://schemas.microsoft.com/office/powerpoint/2010/main" val="971245417"/>
+        <p14:creationId xmlns:p14="http://schemas.microsoft.com/office/powerpoint/2010/main" xmlns="" val="971245417"/>
       </p:ext>
     </p:extLst>
   </p:cSld>
@@ -9454,10 +9539,10 @@
           <p:cNvPr id="20" name="Rectangle 7">
             <a:extLst>
               <a:ext uri="{FF2B5EF4-FFF2-40B4-BE49-F238E27FC236}">
-                <a16:creationId xmlns:a16="http://schemas.microsoft.com/office/drawing/2014/main" id="{2783C067-F8BF-4755-B516-8A0CD74CF60C}"/>
+                <a16:creationId xmlns:a16="http://schemas.microsoft.com/office/drawing/2014/main" xmlns="" id="{2783C067-F8BF-4755-B516-8A0CD74CF60C}"/>
               </a:ext>
               <a:ext uri="{C183D7F6-B498-43B3-948B-1728B52AA6E4}">
-                <adec:decorative xmlns:adec="http://schemas.microsoft.com/office/drawing/2017/decorative" val="1"/>
+                <adec:decorative xmlns:adec="http://schemas.microsoft.com/office/drawing/2017/decorative" xmlns="" val="1"/>
               </a:ext>
             </a:extLst>
           </p:cNvPr>
@@ -9467,7 +9552,7 @@
           <p:nvPr>
             <p:extLst>
               <p:ext uri="{386F3935-93C4-4BCD-93E2-E3B085C9AB24}">
-                <p16:designElem xmlns:p16="http://schemas.microsoft.com/office/powerpoint/2015/main" val="1"/>
+                <p16:designElem xmlns:p16="http://schemas.microsoft.com/office/powerpoint/2015/main" xmlns="" val="1"/>
               </p:ext>
             </p:extLst>
           </p:nvPr>
@@ -9514,10 +9599,10 @@
           <p:cNvPr id="21" name="Isosceles Triangle 9">
             <a:extLst>
               <a:ext uri="{FF2B5EF4-FFF2-40B4-BE49-F238E27FC236}">
-                <a16:creationId xmlns:a16="http://schemas.microsoft.com/office/drawing/2014/main" id="{2ED796EC-E7FF-46DB-B912-FB08BF12AA6E}"/>
+                <a16:creationId xmlns:a16="http://schemas.microsoft.com/office/drawing/2014/main" xmlns="" id="{2ED796EC-E7FF-46DB-B912-FB08BF12AA6E}"/>
               </a:ext>
               <a:ext uri="{C183D7F6-B498-43B3-948B-1728B52AA6E4}">
-                <adec:decorative xmlns:adec="http://schemas.microsoft.com/office/drawing/2017/decorative" val="1"/>
+                <adec:decorative xmlns:adec="http://schemas.microsoft.com/office/drawing/2017/decorative" xmlns="" val="1"/>
               </a:ext>
             </a:extLst>
           </p:cNvPr>
@@ -9527,7 +9612,7 @@
           <p:nvPr>
             <p:extLst>
               <p:ext uri="{386F3935-93C4-4BCD-93E2-E3B085C9AB24}">
-                <p16:designElem xmlns:p16="http://schemas.microsoft.com/office/powerpoint/2015/main" val="1"/>
+                <p16:designElem xmlns:p16="http://schemas.microsoft.com/office/powerpoint/2015/main" xmlns="" val="1"/>
               </p:ext>
             </p:extLst>
           </p:nvPr>
@@ -9570,10 +9655,10 @@
           <p:cNvPr id="22" name="Isosceles Triangle 11">
             <a:extLst>
               <a:ext uri="{FF2B5EF4-FFF2-40B4-BE49-F238E27FC236}">
-                <a16:creationId xmlns:a16="http://schemas.microsoft.com/office/drawing/2014/main" id="{549A2DAB-B431-487D-95AD-BB0FECB49E57}"/>
+                <a16:creationId xmlns:a16="http://schemas.microsoft.com/office/drawing/2014/main" xmlns="" id="{549A2DAB-B431-487D-95AD-BB0FECB49E57}"/>
               </a:ext>
               <a:ext uri="{C183D7F6-B498-43B3-948B-1728B52AA6E4}">
-                <adec:decorative xmlns:adec="http://schemas.microsoft.com/office/drawing/2017/decorative" val="1"/>
+                <adec:decorative xmlns:adec="http://schemas.microsoft.com/office/drawing/2017/decorative" xmlns="" val="1"/>
               </a:ext>
             </a:extLst>
           </p:cNvPr>
@@ -9583,7 +9668,7 @@
           <p:nvPr>
             <p:extLst>
               <p:ext uri="{386F3935-93C4-4BCD-93E2-E3B085C9AB24}">
-                <p16:designElem xmlns:p16="http://schemas.microsoft.com/office/powerpoint/2015/main" val="1"/>
+                <p16:designElem xmlns:p16="http://schemas.microsoft.com/office/powerpoint/2015/main" xmlns="" val="1"/>
               </p:ext>
             </p:extLst>
           </p:nvPr>
@@ -9629,10 +9714,10 @@
           <p:cNvPr id="23" name="Straight Connector 13">
             <a:extLst>
               <a:ext uri="{FF2B5EF4-FFF2-40B4-BE49-F238E27FC236}">
-                <a16:creationId xmlns:a16="http://schemas.microsoft.com/office/drawing/2014/main" id="{C5ECDEE1-7093-418F-9CF5-24EEB115C1C1}"/>
+                <a16:creationId xmlns:a16="http://schemas.microsoft.com/office/drawing/2014/main" xmlns="" id="{C5ECDEE1-7093-418F-9CF5-24EEB115C1C1}"/>
               </a:ext>
               <a:ext uri="{C183D7F6-B498-43B3-948B-1728B52AA6E4}">
-                <adec:decorative xmlns:adec="http://schemas.microsoft.com/office/drawing/2017/decorative" val="1"/>
+                <adec:decorative xmlns:adec="http://schemas.microsoft.com/office/drawing/2017/decorative" xmlns="" val="1"/>
               </a:ext>
             </a:extLst>
           </p:cNvPr>
@@ -9642,7 +9727,7 @@
           <p:nvPr>
             <p:extLst>
               <p:ext uri="{386F3935-93C4-4BCD-93E2-E3B085C9AB24}">
-                <p16:designElem xmlns:p16="http://schemas.microsoft.com/office/powerpoint/2015/main" val="1"/>
+                <p16:designElem xmlns:p16="http://schemas.microsoft.com/office/powerpoint/2015/main" xmlns="" val="1"/>
               </p:ext>
             </p:extLst>
           </p:nvPr>
@@ -9682,10 +9767,10 @@
           <p:cNvPr id="24" name="Straight Connector 15">
             <a:extLst>
               <a:ext uri="{FF2B5EF4-FFF2-40B4-BE49-F238E27FC236}">
-                <a16:creationId xmlns:a16="http://schemas.microsoft.com/office/drawing/2014/main" id="{045062AF-EB11-4651-BC4A-4DA21768DE8E}"/>
+                <a16:creationId xmlns:a16="http://schemas.microsoft.com/office/drawing/2014/main" xmlns="" id="{045062AF-EB11-4651-BC4A-4DA21768DE8E}"/>
               </a:ext>
               <a:ext uri="{C183D7F6-B498-43B3-948B-1728B52AA6E4}">
-                <adec:decorative xmlns:adec="http://schemas.microsoft.com/office/drawing/2017/decorative" val="1"/>
+                <adec:decorative xmlns:adec="http://schemas.microsoft.com/office/drawing/2017/decorative" xmlns="" val="1"/>
               </a:ext>
             </a:extLst>
           </p:cNvPr>
@@ -9695,7 +9780,7 @@
           <p:nvPr>
             <p:extLst>
               <p:ext uri="{386F3935-93C4-4BCD-93E2-E3B085C9AB24}">
-                <p16:designElem xmlns:p16="http://schemas.microsoft.com/office/powerpoint/2015/main" val="1"/>
+                <p16:designElem xmlns:p16="http://schemas.microsoft.com/office/powerpoint/2015/main" xmlns="" val="1"/>
               </p:ext>
             </p:extLst>
           </p:nvPr>
@@ -9734,7 +9819,7 @@
           <p:cNvPr id="3" name="Subtitle 2">
             <a:extLst>
               <a:ext uri="{FF2B5EF4-FFF2-40B4-BE49-F238E27FC236}">
-                <a16:creationId xmlns:a16="http://schemas.microsoft.com/office/drawing/2014/main" id="{64183277-7FD7-401B-BA5C-BCB4464E51BE}"/>
+                <a16:creationId xmlns:a16="http://schemas.microsoft.com/office/drawing/2014/main" xmlns="" id="{64183277-7FD7-401B-BA5C-BCB4464E51BE}"/>
               </a:ext>
             </a:extLst>
           </p:cNvPr>
@@ -9781,7 +9866,7 @@
           <p:cNvPr id="2" name="Title 1">
             <a:extLst>
               <a:ext uri="{FF2B5EF4-FFF2-40B4-BE49-F238E27FC236}">
-                <a16:creationId xmlns:a16="http://schemas.microsoft.com/office/drawing/2014/main" id="{DF7BD797-1C36-4A11-B760-2A7F71B51727}"/>
+                <a16:creationId xmlns:a16="http://schemas.microsoft.com/office/drawing/2014/main" xmlns="" id="{DF7BD797-1C36-4A11-B760-2A7F71B51727}"/>
               </a:ext>
             </a:extLst>
           </p:cNvPr>
@@ -9822,10 +9907,10 @@
           <p:cNvPr id="25" name="Rectangle 27">
             <a:extLst>
               <a:ext uri="{FF2B5EF4-FFF2-40B4-BE49-F238E27FC236}">
-                <a16:creationId xmlns:a16="http://schemas.microsoft.com/office/drawing/2014/main" id="{0819F787-32B4-46A8-BC57-C6571BCEE243}"/>
+                <a16:creationId xmlns:a16="http://schemas.microsoft.com/office/drawing/2014/main" xmlns="" id="{0819F787-32B4-46A8-BC57-C6571BCEE243}"/>
               </a:ext>
               <a:ext uri="{C183D7F6-B498-43B3-948B-1728B52AA6E4}">
-                <adec:decorative xmlns:adec="http://schemas.microsoft.com/office/drawing/2017/decorative" val="1"/>
+                <adec:decorative xmlns:adec="http://schemas.microsoft.com/office/drawing/2017/decorative" xmlns="" val="1"/>
               </a:ext>
             </a:extLst>
           </p:cNvPr>
@@ -9835,7 +9920,7 @@
           <p:nvPr>
             <p:extLst>
               <p:ext uri="{386F3935-93C4-4BCD-93E2-E3B085C9AB24}">
-                <p16:designElem xmlns:p16="http://schemas.microsoft.com/office/powerpoint/2015/main" val="1"/>
+                <p16:designElem xmlns:p16="http://schemas.microsoft.com/office/powerpoint/2015/main" xmlns="" val="1"/>
               </p:ext>
             </p:extLst>
           </p:nvPr>
@@ -9898,7 +9983,7 @@
     </p:spTree>
     <p:extLst>
       <p:ext uri="{BB962C8B-B14F-4D97-AF65-F5344CB8AC3E}">
-        <p14:creationId xmlns:p14="http://schemas.microsoft.com/office/powerpoint/2010/main" val="602031324"/>
+        <p14:creationId xmlns:p14="http://schemas.microsoft.com/office/powerpoint/2010/main" xmlns="" val="602031324"/>
       </p:ext>
     </p:extLst>
   </p:cSld>
@@ -9930,7 +10015,7 @@
           <p:cNvPr id="2" name="Title 1">
             <a:extLst>
               <a:ext uri="{FF2B5EF4-FFF2-40B4-BE49-F238E27FC236}">
-                <a16:creationId xmlns:a16="http://schemas.microsoft.com/office/drawing/2014/main" id="{65563001-0303-4743-A161-9B140C9B0856}"/>
+                <a16:creationId xmlns:a16="http://schemas.microsoft.com/office/drawing/2014/main" xmlns="" id="{65563001-0303-4743-A161-9B140C9B0856}"/>
               </a:ext>
             </a:extLst>
           </p:cNvPr>
@@ -9969,7 +10054,7 @@
           <p:cNvPr id="3" name="Text Placeholder 2">
             <a:extLst>
               <a:ext uri="{FF2B5EF4-FFF2-40B4-BE49-F238E27FC236}">
-                <a16:creationId xmlns:a16="http://schemas.microsoft.com/office/drawing/2014/main" id="{5AE97636-6E7A-4E4F-B86A-64CDD1770060}"/>
+                <a16:creationId xmlns:a16="http://schemas.microsoft.com/office/drawing/2014/main" xmlns="" id="{5AE97636-6E7A-4E4F-B86A-64CDD1770060}"/>
               </a:ext>
             </a:extLst>
           </p:cNvPr>
@@ -10002,7 +10087,7 @@
           <p:cNvPr id="4" name="Content Placeholder 3">
             <a:extLst>
               <a:ext uri="{FF2B5EF4-FFF2-40B4-BE49-F238E27FC236}">
-                <a16:creationId xmlns:a16="http://schemas.microsoft.com/office/drawing/2014/main" id="{1D665D17-7729-40B8-A262-A35534D8623A}"/>
+                <a16:creationId xmlns:a16="http://schemas.microsoft.com/office/drawing/2014/main" xmlns="" id="{1D665D17-7729-40B8-A262-A35534D8623A}"/>
               </a:ext>
             </a:extLst>
           </p:cNvPr>
@@ -10136,7 +10221,7 @@
           <p:cNvPr id="5" name="Text Placeholder 4">
             <a:extLst>
               <a:ext uri="{FF2B5EF4-FFF2-40B4-BE49-F238E27FC236}">
-                <a16:creationId xmlns:a16="http://schemas.microsoft.com/office/drawing/2014/main" id="{8728D43A-7A00-4058-B75B-150FADFE05ED}"/>
+                <a16:creationId xmlns:a16="http://schemas.microsoft.com/office/drawing/2014/main" xmlns="" id="{8728D43A-7A00-4058-B75B-150FADFE05ED}"/>
               </a:ext>
             </a:extLst>
           </p:cNvPr>
@@ -10169,7 +10254,7 @@
           <p:cNvPr id="10" name="Text Placeholder 2">
             <a:extLst>
               <a:ext uri="{FF2B5EF4-FFF2-40B4-BE49-F238E27FC236}">
-                <a16:creationId xmlns:a16="http://schemas.microsoft.com/office/drawing/2014/main" id="{F24CBCF4-D23B-439A-8195-BB4D5BABCDB1}"/>
+                <a16:creationId xmlns:a16="http://schemas.microsoft.com/office/drawing/2014/main" xmlns="" id="{F24CBCF4-D23B-439A-8195-BB4D5BABCDB1}"/>
               </a:ext>
             </a:extLst>
           </p:cNvPr>
@@ -10368,7 +10453,7 @@
           <p:cNvPr id="11" name="Content Placeholder 3">
             <a:extLst>
               <a:ext uri="{FF2B5EF4-FFF2-40B4-BE49-F238E27FC236}">
-                <a16:creationId xmlns:a16="http://schemas.microsoft.com/office/drawing/2014/main" id="{70A63F2B-CAB2-4AC0-9707-CB8B8E82633E}"/>
+                <a16:creationId xmlns:a16="http://schemas.microsoft.com/office/drawing/2014/main" xmlns="" id="{70A63F2B-CAB2-4AC0-9707-CB8B8E82633E}"/>
               </a:ext>
             </a:extLst>
           </p:cNvPr>
@@ -10567,7 +10652,7 @@
           <p:cNvPr id="12" name="Content Placeholder 3">
             <a:extLst>
               <a:ext uri="{FF2B5EF4-FFF2-40B4-BE49-F238E27FC236}">
-                <a16:creationId xmlns:a16="http://schemas.microsoft.com/office/drawing/2014/main" id="{66A5C42E-FF43-4F32-9E42-E0A9E0C1B637}"/>
+                <a16:creationId xmlns:a16="http://schemas.microsoft.com/office/drawing/2014/main" xmlns="" id="{66A5C42E-FF43-4F32-9E42-E0A9E0C1B637}"/>
               </a:ext>
             </a:extLst>
           </p:cNvPr>
@@ -10785,7 +10870,7 @@
           <p:cNvPr id="13" name="Content Placeholder 3">
             <a:extLst>
               <a:ext uri="{FF2B5EF4-FFF2-40B4-BE49-F238E27FC236}">
-                <a16:creationId xmlns:a16="http://schemas.microsoft.com/office/drawing/2014/main" id="{2AB371A2-853D-4F65-98BD-C9D00EEB8DAA}"/>
+                <a16:creationId xmlns:a16="http://schemas.microsoft.com/office/drawing/2014/main" xmlns="" id="{2AB371A2-853D-4F65-98BD-C9D00EEB8DAA}"/>
               </a:ext>
             </a:extLst>
           </p:cNvPr>
@@ -11016,7 +11101,7 @@
           <p:cNvPr id="6" name="Rectangle 5">
             <a:extLst>
               <a:ext uri="{FF2B5EF4-FFF2-40B4-BE49-F238E27FC236}">
-                <a16:creationId xmlns:a16="http://schemas.microsoft.com/office/drawing/2014/main" id="{8F65EED7-1F62-4324-8F7A-47A848460935}"/>
+                <a16:creationId xmlns:a16="http://schemas.microsoft.com/office/drawing/2014/main" xmlns="" id="{8F65EED7-1F62-4324-8F7A-47A848460935}"/>
               </a:ext>
             </a:extLst>
           </p:cNvPr>
@@ -11086,7 +11171,7 @@
     </p:spTree>
     <p:extLst>
       <p:ext uri="{BB962C8B-B14F-4D97-AF65-F5344CB8AC3E}">
-        <p14:creationId xmlns:p14="http://schemas.microsoft.com/office/powerpoint/2010/main" val="1150479971"/>
+        <p14:creationId xmlns:p14="http://schemas.microsoft.com/office/powerpoint/2010/main" xmlns="" val="1150479971"/>
       </p:ext>
     </p:extLst>
   </p:cSld>
@@ -11145,7 +11230,7 @@
               <a:buSzPts val="1100"/>
             </a:pPr>
             <a:r>
-              <a:rPr lang="en" sz="6933" dirty="0">
+              <a:rPr lang="en" sz="6000" dirty="0">
                 <a:solidFill>
                   <a:schemeClr val="accent1">
                     <a:lumMod val="50000"/>
@@ -11154,7 +11239,7 @@
               </a:rPr>
               <a:t>Seq to Seq LSTM Model</a:t>
             </a:r>
-            <a:endParaRPr sz="6933" dirty="0">
+            <a:endParaRPr sz="6000" dirty="0">
               <a:solidFill>
                 <a:schemeClr val="accent1">
                   <a:lumMod val="50000"/>
@@ -11163,7 +11248,7 @@
             </a:endParaRPr>
           </a:p>
           <a:p>
-            <a:endParaRPr dirty="0">
+            <a:endParaRPr sz="2800" dirty="0">
               <a:solidFill>
                 <a:schemeClr val="accent1">
                   <a:lumMod val="50000"/>
@@ -11190,7 +11275,7 @@
         <p:spPr>
           <a:xfrm>
             <a:off x="1974234" y="1839267"/>
-            <a:ext cx="8369300" cy="3340100"/>
+            <a:ext cx="7535526" cy="3340100"/>
           </a:xfrm>
           <a:prstGeom prst="rect">
             <a:avLst/>
@@ -11251,7 +11336,7 @@
           </a:bodyPr>
           <a:lstStyle/>
           <a:p>
-            <a:pPr>
+            <a:pPr algn="ctr">
               <a:spcBef>
                 <a:spcPts val="0"/>
               </a:spcBef>
@@ -11292,7 +11377,7 @@
         </p:blipFill>
         <p:spPr>
           <a:xfrm>
-            <a:off x="2812867" y="4280801"/>
+            <a:off x="2211974" y="4110984"/>
             <a:ext cx="6566267" cy="2539167"/>
           </a:xfrm>
           <a:prstGeom prst="rect">
@@ -11433,8 +11518,8 @@
         </p:blipFill>
         <p:spPr>
           <a:xfrm>
-            <a:off x="203201" y="1646234"/>
-            <a:ext cx="11785601" cy="1322873"/>
+            <a:off x="640080" y="1816051"/>
+            <a:ext cx="9483634" cy="1514978"/>
           </a:xfrm>
           <a:prstGeom prst="rect">
             <a:avLst/>
@@ -11461,8 +11546,8 @@
         </p:blipFill>
         <p:spPr>
           <a:xfrm>
-            <a:off x="203201" y="3660007"/>
-            <a:ext cx="11785596" cy="1726827"/>
+            <a:off x="222069" y="3660007"/>
+            <a:ext cx="11808822" cy="2544850"/>
           </a:xfrm>
           <a:prstGeom prst="rect">
             <a:avLst/>
@@ -11503,7 +11588,7 @@
           <p:cNvPr id="2" name="Title 1">
             <a:extLst>
               <a:ext uri="{FF2B5EF4-FFF2-40B4-BE49-F238E27FC236}">
-                <a16:creationId xmlns:a16="http://schemas.microsoft.com/office/drawing/2014/main" id="{D5E81FA9-A7BD-4DBA-BB07-C7542EB3D62C}"/>
+                <a16:creationId xmlns:a16="http://schemas.microsoft.com/office/drawing/2014/main" xmlns="" id="{D5E81FA9-A7BD-4DBA-BB07-C7542EB3D62C}"/>
               </a:ext>
             </a:extLst>
           </p:cNvPr>
@@ -11547,7 +11632,7 @@
           <p:cNvPr id="3" name="Content Placeholder 2">
             <a:extLst>
               <a:ext uri="{FF2B5EF4-FFF2-40B4-BE49-F238E27FC236}">
-                <a16:creationId xmlns:a16="http://schemas.microsoft.com/office/drawing/2014/main" id="{825E07A4-264C-4B8D-8110-2FD3727CE547}"/>
+                <a16:creationId xmlns:a16="http://schemas.microsoft.com/office/drawing/2014/main" xmlns="" id="{825E07A4-264C-4B8D-8110-2FD3727CE547}"/>
               </a:ext>
             </a:extLst>
           </p:cNvPr>
@@ -11618,7 +11703,7 @@
     </p:spTree>
     <p:extLst>
       <p:ext uri="{BB962C8B-B14F-4D97-AF65-F5344CB8AC3E}">
-        <p14:creationId xmlns:p14="http://schemas.microsoft.com/office/powerpoint/2010/main" val="3897350998"/>
+        <p14:creationId xmlns:p14="http://schemas.microsoft.com/office/powerpoint/2010/main" xmlns="" val="3897350998"/>
       </p:ext>
     </p:extLst>
   </p:cSld>
@@ -11658,7 +11743,7 @@
           <p:cNvPr id="2" name="Title 1">
             <a:extLst>
               <a:ext uri="{FF2B5EF4-FFF2-40B4-BE49-F238E27FC236}">
-                <a16:creationId xmlns:a16="http://schemas.microsoft.com/office/drawing/2014/main" id="{1E3AA153-FFE1-457D-8A60-613448738C8A}"/>
+                <a16:creationId xmlns:a16="http://schemas.microsoft.com/office/drawing/2014/main" xmlns="" id="{1E3AA153-FFE1-457D-8A60-613448738C8A}"/>
               </a:ext>
             </a:extLst>
           </p:cNvPr>
@@ -11699,7 +11784,7 @@
           <p:cNvPr id="8" name="Diagram 7">
             <a:extLst>
               <a:ext uri="{FF2B5EF4-FFF2-40B4-BE49-F238E27FC236}">
-                <a16:creationId xmlns:a16="http://schemas.microsoft.com/office/drawing/2014/main" id="{26E24459-7DC9-49F7-B9C1-A81F37EE896B}"/>
+                <a16:creationId xmlns:a16="http://schemas.microsoft.com/office/drawing/2014/main" xmlns="" id="{26E24459-7DC9-49F7-B9C1-A81F37EE896B}"/>
               </a:ext>
             </a:extLst>
           </p:cNvPr>
@@ -11707,7 +11792,7 @@
           <p:nvPr>
             <p:extLst>
               <p:ext uri="{D42A27DB-BD31-4B8C-83A1-F6EECF244321}">
-                <p14:modId xmlns:p14="http://schemas.microsoft.com/office/powerpoint/2010/main" val="1210697339"/>
+                <p14:modId xmlns:p14="http://schemas.microsoft.com/office/powerpoint/2010/main" xmlns="" val="1210697339"/>
               </p:ext>
             </p:extLst>
           </p:nvPr>
@@ -11727,7 +11812,7 @@
           <p:cNvPr id="11" name="Arrow: Pentagon 10">
             <a:extLst>
               <a:ext uri="{FF2B5EF4-FFF2-40B4-BE49-F238E27FC236}">
-                <a16:creationId xmlns:a16="http://schemas.microsoft.com/office/drawing/2014/main" id="{EDF03473-E477-4D87-BD1F-6DF5EF36D635}"/>
+                <a16:creationId xmlns:a16="http://schemas.microsoft.com/office/drawing/2014/main" xmlns="" id="{EDF03473-E477-4D87-BD1F-6DF5EF36D635}"/>
               </a:ext>
             </a:extLst>
           </p:cNvPr>
@@ -11776,7 +11861,7 @@
           <p:cNvPr id="14" name="Arrow: Pentagon 13">
             <a:extLst>
               <a:ext uri="{FF2B5EF4-FFF2-40B4-BE49-F238E27FC236}">
-                <a16:creationId xmlns:a16="http://schemas.microsoft.com/office/drawing/2014/main" id="{262277AC-5A75-41E2-8E58-FF6B8A9A70F7}"/>
+                <a16:creationId xmlns:a16="http://schemas.microsoft.com/office/drawing/2014/main" xmlns="" id="{262277AC-5A75-41E2-8E58-FF6B8A9A70F7}"/>
               </a:ext>
             </a:extLst>
           </p:cNvPr>
@@ -11825,7 +11910,7 @@
           <p:cNvPr id="15" name="Arrow: Pentagon 14">
             <a:extLst>
               <a:ext uri="{FF2B5EF4-FFF2-40B4-BE49-F238E27FC236}">
-                <a16:creationId xmlns:a16="http://schemas.microsoft.com/office/drawing/2014/main" id="{826CD80D-F83B-4CFC-A2B4-6FE9D6C0FC33}"/>
+                <a16:creationId xmlns:a16="http://schemas.microsoft.com/office/drawing/2014/main" xmlns="" id="{826CD80D-F83B-4CFC-A2B4-6FE9D6C0FC33}"/>
               </a:ext>
             </a:extLst>
           </p:cNvPr>
@@ -11874,7 +11959,7 @@
           <p:cNvPr id="16" name="Diamond 15">
             <a:extLst>
               <a:ext uri="{FF2B5EF4-FFF2-40B4-BE49-F238E27FC236}">
-                <a16:creationId xmlns:a16="http://schemas.microsoft.com/office/drawing/2014/main" id="{C182C0BB-4672-4E8B-9A2D-93FCEABCA46B}"/>
+                <a16:creationId xmlns:a16="http://schemas.microsoft.com/office/drawing/2014/main" xmlns="" id="{C182C0BB-4672-4E8B-9A2D-93FCEABCA46B}"/>
               </a:ext>
             </a:extLst>
           </p:cNvPr>
@@ -11923,7 +12008,7 @@
           <p:cNvPr id="19" name="Diamond 18">
             <a:extLst>
               <a:ext uri="{FF2B5EF4-FFF2-40B4-BE49-F238E27FC236}">
-                <a16:creationId xmlns:a16="http://schemas.microsoft.com/office/drawing/2014/main" id="{2CEAF0A7-29A0-4C9C-81DD-D0F77C61B08D}"/>
+                <a16:creationId xmlns:a16="http://schemas.microsoft.com/office/drawing/2014/main" xmlns="" id="{2CEAF0A7-29A0-4C9C-81DD-D0F77C61B08D}"/>
               </a:ext>
             </a:extLst>
           </p:cNvPr>
@@ -11970,7 +12055,7 @@
     </p:spTree>
     <p:extLst>
       <p:ext uri="{BB962C8B-B14F-4D97-AF65-F5344CB8AC3E}">
-        <p14:creationId xmlns:p14="http://schemas.microsoft.com/office/powerpoint/2010/main" val="1113268578"/>
+        <p14:creationId xmlns:p14="http://schemas.microsoft.com/office/powerpoint/2010/main" xmlns="" val="1113268578"/>
       </p:ext>
     </p:extLst>
   </p:cSld>
@@ -12002,7 +12087,7 @@
           <p:cNvPr id="2" name="Title 1">
             <a:extLst>
               <a:ext uri="{FF2B5EF4-FFF2-40B4-BE49-F238E27FC236}">
-                <a16:creationId xmlns:a16="http://schemas.microsoft.com/office/drawing/2014/main" id="{01F29A69-2D9B-4E03-9924-249DBA209DE7}"/>
+                <a16:creationId xmlns:a16="http://schemas.microsoft.com/office/drawing/2014/main" xmlns="" id="{01F29A69-2D9B-4E03-9924-249DBA209DE7}"/>
               </a:ext>
             </a:extLst>
           </p:cNvPr>
@@ -12036,7 +12121,7 @@
           <p:cNvPr id="3" name="Content Placeholder 2">
             <a:extLst>
               <a:ext uri="{FF2B5EF4-FFF2-40B4-BE49-F238E27FC236}">
-                <a16:creationId xmlns:a16="http://schemas.microsoft.com/office/drawing/2014/main" id="{F1EE2BB1-5494-4998-9F0F-3676B04C8A1E}"/>
+                <a16:creationId xmlns:a16="http://schemas.microsoft.com/office/drawing/2014/main" xmlns="" id="{F1EE2BB1-5494-4998-9F0F-3676B04C8A1E}"/>
               </a:ext>
             </a:extLst>
           </p:cNvPr>
@@ -12091,7 +12176,7 @@
     </p:spTree>
     <p:extLst>
       <p:ext uri="{BB962C8B-B14F-4D97-AF65-F5344CB8AC3E}">
-        <p14:creationId xmlns:p14="http://schemas.microsoft.com/office/powerpoint/2010/main" val="1118327665"/>
+        <p14:creationId xmlns:p14="http://schemas.microsoft.com/office/powerpoint/2010/main" xmlns="" val="1118327665"/>
       </p:ext>
     </p:extLst>
   </p:cSld>
@@ -12123,7 +12208,7 @@
           <p:cNvPr id="3" name="Content Placeholder 2">
             <a:extLst>
               <a:ext uri="{FF2B5EF4-FFF2-40B4-BE49-F238E27FC236}">
-                <a16:creationId xmlns:a16="http://schemas.microsoft.com/office/drawing/2014/main" id="{9BF51FAB-9D89-4D31-B68E-FFFD3C86EDFA}"/>
+                <a16:creationId xmlns:a16="http://schemas.microsoft.com/office/drawing/2014/main" xmlns="" id="{9BF51FAB-9D89-4D31-B68E-FFFD3C86EDFA}"/>
               </a:ext>
             </a:extLst>
           </p:cNvPr>
@@ -12270,7 +12355,7 @@
           <p:cNvPr id="5" name="Picture 4">
             <a:extLst>
               <a:ext uri="{FF2B5EF4-FFF2-40B4-BE49-F238E27FC236}">
-                <a16:creationId xmlns:a16="http://schemas.microsoft.com/office/drawing/2014/main" id="{E9F1AE7F-3940-476C-A3B6-CCACB8BD148B}"/>
+                <a16:creationId xmlns:a16="http://schemas.microsoft.com/office/drawing/2014/main" xmlns="" id="{E9F1AE7F-3940-476C-A3B6-CCACB8BD148B}"/>
               </a:ext>
             </a:extLst>
           </p:cNvPr>
@@ -12283,7 +12368,7 @@
           <a:blip r:embed="rId2">
             <a:extLst>
               <a:ext uri="{28A0092B-C50C-407E-A947-70E740481C1C}">
-                <a14:useLocalDpi xmlns:a14="http://schemas.microsoft.com/office/drawing/2010/main" val="0"/>
+                <a14:useLocalDpi xmlns:a14="http://schemas.microsoft.com/office/drawing/2010/main" xmlns="" val="0"/>
               </a:ext>
             </a:extLst>
           </a:blip>
@@ -12306,7 +12391,7 @@
           <p:cNvPr id="6" name="Title 1">
             <a:extLst>
               <a:ext uri="{FF2B5EF4-FFF2-40B4-BE49-F238E27FC236}">
-                <a16:creationId xmlns:a16="http://schemas.microsoft.com/office/drawing/2014/main" id="{4BF52E49-0643-445C-B265-0C8EE785B30A}"/>
+                <a16:creationId xmlns:a16="http://schemas.microsoft.com/office/drawing/2014/main" xmlns="" id="{4BF52E49-0643-445C-B265-0C8EE785B30A}"/>
               </a:ext>
             </a:extLst>
           </p:cNvPr>
@@ -12344,7 +12429,7 @@
     </p:spTree>
     <p:extLst>
       <p:ext uri="{BB962C8B-B14F-4D97-AF65-F5344CB8AC3E}">
-        <p14:creationId xmlns:p14="http://schemas.microsoft.com/office/powerpoint/2010/main" val="2354205598"/>
+        <p14:creationId xmlns:p14="http://schemas.microsoft.com/office/powerpoint/2010/main" xmlns="" val="2354205598"/>
       </p:ext>
     </p:extLst>
   </p:cSld>
@@ -12376,7 +12461,7 @@
           <p:cNvPr id="5" name="Content Placeholder 4">
             <a:extLst>
               <a:ext uri="{FF2B5EF4-FFF2-40B4-BE49-F238E27FC236}">
-                <a16:creationId xmlns:a16="http://schemas.microsoft.com/office/drawing/2014/main" id="{85B49055-E62F-447E-9EDA-6DE041EC3BDC}"/>
+                <a16:creationId xmlns:a16="http://schemas.microsoft.com/office/drawing/2014/main" xmlns="" id="{85B49055-E62F-447E-9EDA-6DE041EC3BDC}"/>
               </a:ext>
             </a:extLst>
           </p:cNvPr>
@@ -12391,7 +12476,7 @@
           <a:blip r:embed="rId2">
             <a:extLst>
               <a:ext uri="{28A0092B-C50C-407E-A947-70E740481C1C}">
-                <a14:useLocalDpi xmlns:a14="http://schemas.microsoft.com/office/drawing/2010/main" val="0"/>
+                <a14:useLocalDpi xmlns:a14="http://schemas.microsoft.com/office/drawing/2010/main" xmlns="" val="0"/>
               </a:ext>
             </a:extLst>
           </a:blip>
@@ -12411,7 +12496,7 @@
           <p:cNvPr id="4" name="Title 3">
             <a:extLst>
               <a:ext uri="{FF2B5EF4-FFF2-40B4-BE49-F238E27FC236}">
-                <a16:creationId xmlns:a16="http://schemas.microsoft.com/office/drawing/2014/main" id="{69DEE14D-931F-4A62-A205-754797B27826}"/>
+                <a16:creationId xmlns:a16="http://schemas.microsoft.com/office/drawing/2014/main" xmlns="" id="{69DEE14D-931F-4A62-A205-754797B27826}"/>
               </a:ext>
             </a:extLst>
           </p:cNvPr>
@@ -12462,7 +12547,7 @@
     </p:spTree>
     <p:extLst>
       <p:ext uri="{BB962C8B-B14F-4D97-AF65-F5344CB8AC3E}">
-        <p14:creationId xmlns:p14="http://schemas.microsoft.com/office/powerpoint/2010/main" val="1401909738"/>
+        <p14:creationId xmlns:p14="http://schemas.microsoft.com/office/powerpoint/2010/main" xmlns="" val="1401909738"/>
       </p:ext>
     </p:extLst>
   </p:cSld>
@@ -12494,7 +12579,7 @@
           <p:cNvPr id="5" name="Content Placeholder 4">
             <a:extLst>
               <a:ext uri="{FF2B5EF4-FFF2-40B4-BE49-F238E27FC236}">
-                <a16:creationId xmlns:a16="http://schemas.microsoft.com/office/drawing/2014/main" id="{69EA6A83-DB6E-40D0-BDBF-7C0A511DABD8}"/>
+                <a16:creationId xmlns:a16="http://schemas.microsoft.com/office/drawing/2014/main" xmlns="" id="{69EA6A83-DB6E-40D0-BDBF-7C0A511DABD8}"/>
               </a:ext>
             </a:extLst>
           </p:cNvPr>
@@ -12509,7 +12594,7 @@
           <a:blip r:embed="rId2">
             <a:extLst>
               <a:ext uri="{28A0092B-C50C-407E-A947-70E740481C1C}">
-                <a14:useLocalDpi xmlns:a14="http://schemas.microsoft.com/office/drawing/2010/main" val="0"/>
+                <a14:useLocalDpi xmlns:a14="http://schemas.microsoft.com/office/drawing/2010/main" xmlns="" val="0"/>
               </a:ext>
             </a:extLst>
           </a:blip>
@@ -12529,7 +12614,7 @@
           <p:cNvPr id="4" name="Title 3">
             <a:extLst>
               <a:ext uri="{FF2B5EF4-FFF2-40B4-BE49-F238E27FC236}">
-                <a16:creationId xmlns:a16="http://schemas.microsoft.com/office/drawing/2014/main" id="{E168C8F2-36F6-4F11-B4CC-4AFD9E3D08F2}"/>
+                <a16:creationId xmlns:a16="http://schemas.microsoft.com/office/drawing/2014/main" xmlns="" id="{E168C8F2-36F6-4F11-B4CC-4AFD9E3D08F2}"/>
               </a:ext>
             </a:extLst>
           </p:cNvPr>
@@ -12640,7 +12725,7 @@
     </p:spTree>
     <p:extLst>
       <p:ext uri="{BB962C8B-B14F-4D97-AF65-F5344CB8AC3E}">
-        <p14:creationId xmlns:p14="http://schemas.microsoft.com/office/powerpoint/2010/main" val="3401080652"/>
+        <p14:creationId xmlns:p14="http://schemas.microsoft.com/office/powerpoint/2010/main" xmlns="" val="3401080652"/>
       </p:ext>
     </p:extLst>
   </p:cSld>
@@ -12680,7 +12765,7 @@
           <p:cNvPr id="2" name="Title 1">
             <a:extLst>
               <a:ext uri="{FF2B5EF4-FFF2-40B4-BE49-F238E27FC236}">
-                <a16:creationId xmlns:a16="http://schemas.microsoft.com/office/drawing/2014/main" id="{CCD68CF5-85DA-4438-BAFF-32897EBCED02}"/>
+                <a16:creationId xmlns:a16="http://schemas.microsoft.com/office/drawing/2014/main" xmlns="" id="{CCD68CF5-85DA-4438-BAFF-32897EBCED02}"/>
               </a:ext>
             </a:extLst>
           </p:cNvPr>
@@ -12728,7 +12813,7 @@
           <p:cNvPr id="3" name="Content Placeholder 2">
             <a:extLst>
               <a:ext uri="{FF2B5EF4-FFF2-40B4-BE49-F238E27FC236}">
-                <a16:creationId xmlns:a16="http://schemas.microsoft.com/office/drawing/2014/main" id="{03BAC3A9-9596-4804-A772-D2D83F57425F}"/>
+                <a16:creationId xmlns:a16="http://schemas.microsoft.com/office/drawing/2014/main" xmlns="" id="{03BAC3A9-9596-4804-A772-D2D83F57425F}"/>
               </a:ext>
             </a:extLst>
           </p:cNvPr>
@@ -12800,7 +12885,7 @@
           <p:cNvPr id="5" name="Picture 4">
             <a:extLst>
               <a:ext uri="{FF2B5EF4-FFF2-40B4-BE49-F238E27FC236}">
-                <a16:creationId xmlns:a16="http://schemas.microsoft.com/office/drawing/2014/main" id="{3FA0371C-29A4-44ED-A2A9-70582FFE80D1}"/>
+                <a16:creationId xmlns:a16="http://schemas.microsoft.com/office/drawing/2014/main" xmlns="" id="{3FA0371C-29A4-44ED-A2A9-70582FFE80D1}"/>
               </a:ext>
             </a:extLst>
           </p:cNvPr>
@@ -12830,7 +12915,7 @@
           <p:cNvPr id="6" name="Picture 5">
             <a:extLst>
               <a:ext uri="{FF2B5EF4-FFF2-40B4-BE49-F238E27FC236}">
-                <a16:creationId xmlns:a16="http://schemas.microsoft.com/office/drawing/2014/main" id="{CAA99722-9A91-4EDE-A1AA-DFA7AC441E70}"/>
+                <a16:creationId xmlns:a16="http://schemas.microsoft.com/office/drawing/2014/main" xmlns="" id="{CAA99722-9A91-4EDE-A1AA-DFA7AC441E70}"/>
               </a:ext>
             </a:extLst>
           </p:cNvPr>
@@ -12858,7 +12943,7 @@
     </p:spTree>
     <p:extLst>
       <p:ext uri="{BB962C8B-B14F-4D97-AF65-F5344CB8AC3E}">
-        <p14:creationId xmlns:p14="http://schemas.microsoft.com/office/powerpoint/2010/main" val="790525541"/>
+        <p14:creationId xmlns:p14="http://schemas.microsoft.com/office/powerpoint/2010/main" xmlns="" val="790525541"/>
       </p:ext>
     </p:extLst>
   </p:cSld>
@@ -12898,7 +12983,7 @@
           <p:cNvPr id="2" name="Title 1">
             <a:extLst>
               <a:ext uri="{FF2B5EF4-FFF2-40B4-BE49-F238E27FC236}">
-                <a16:creationId xmlns:a16="http://schemas.microsoft.com/office/drawing/2014/main" id="{363DBF2F-D19B-4919-AE88-E9C294B027AD}"/>
+                <a16:creationId xmlns:a16="http://schemas.microsoft.com/office/drawing/2014/main" xmlns="" id="{363DBF2F-D19B-4919-AE88-E9C294B027AD}"/>
               </a:ext>
             </a:extLst>
           </p:cNvPr>
@@ -12946,7 +13031,7 @@
           <p:cNvPr id="3" name="Content Placeholder 2">
             <a:extLst>
               <a:ext uri="{FF2B5EF4-FFF2-40B4-BE49-F238E27FC236}">
-                <a16:creationId xmlns:a16="http://schemas.microsoft.com/office/drawing/2014/main" id="{CCB53EBF-296A-4C6A-AFFD-A680CF74DE04}"/>
+                <a16:creationId xmlns:a16="http://schemas.microsoft.com/office/drawing/2014/main" xmlns="" id="{CCB53EBF-296A-4C6A-AFFD-A680CF74DE04}"/>
               </a:ext>
             </a:extLst>
           </p:cNvPr>
@@ -13000,7 +13085,7 @@
           <p:cNvPr id="4" name="Picture 3">
             <a:extLst>
               <a:ext uri="{FF2B5EF4-FFF2-40B4-BE49-F238E27FC236}">
-                <a16:creationId xmlns:a16="http://schemas.microsoft.com/office/drawing/2014/main" id="{D1401E04-EB13-4D91-841F-71BE3240F368}"/>
+                <a16:creationId xmlns:a16="http://schemas.microsoft.com/office/drawing/2014/main" xmlns="" id="{D1401E04-EB13-4D91-841F-71BE3240F368}"/>
               </a:ext>
             </a:extLst>
           </p:cNvPr>
@@ -13028,7 +13113,7 @@
     </p:spTree>
     <p:extLst>
       <p:ext uri="{BB962C8B-B14F-4D97-AF65-F5344CB8AC3E}">
-        <p14:creationId xmlns:p14="http://schemas.microsoft.com/office/powerpoint/2010/main" val="3553322507"/>
+        <p14:creationId xmlns:p14="http://schemas.microsoft.com/office/powerpoint/2010/main" xmlns="" val="3553322507"/>
       </p:ext>
     </p:extLst>
   </p:cSld>
@@ -13060,7 +13145,7 @@
           <p:cNvPr id="2" name="Title 1">
             <a:extLst>
               <a:ext uri="{FF2B5EF4-FFF2-40B4-BE49-F238E27FC236}">
-                <a16:creationId xmlns:a16="http://schemas.microsoft.com/office/drawing/2014/main" id="{65563001-0303-4743-A161-9B140C9B0856}"/>
+                <a16:creationId xmlns:a16="http://schemas.microsoft.com/office/drawing/2014/main" xmlns="" id="{65563001-0303-4743-A161-9B140C9B0856}"/>
               </a:ext>
             </a:extLst>
           </p:cNvPr>
@@ -13099,7 +13184,7 @@
           <p:cNvPr id="3" name="Text Placeholder 2">
             <a:extLst>
               <a:ext uri="{FF2B5EF4-FFF2-40B4-BE49-F238E27FC236}">
-                <a16:creationId xmlns:a16="http://schemas.microsoft.com/office/drawing/2014/main" id="{5AE97636-6E7A-4E4F-B86A-64CDD1770060}"/>
+                <a16:creationId xmlns:a16="http://schemas.microsoft.com/office/drawing/2014/main" xmlns="" id="{5AE97636-6E7A-4E4F-B86A-64CDD1770060}"/>
               </a:ext>
             </a:extLst>
           </p:cNvPr>
@@ -13132,7 +13217,7 @@
           <p:cNvPr id="4" name="Content Placeholder 3">
             <a:extLst>
               <a:ext uri="{FF2B5EF4-FFF2-40B4-BE49-F238E27FC236}">
-                <a16:creationId xmlns:a16="http://schemas.microsoft.com/office/drawing/2014/main" id="{1D665D17-7729-40B8-A262-A35534D8623A}"/>
+                <a16:creationId xmlns:a16="http://schemas.microsoft.com/office/drawing/2014/main" xmlns="" id="{1D665D17-7729-40B8-A262-A35534D8623A}"/>
               </a:ext>
             </a:extLst>
           </p:cNvPr>
@@ -13292,7 +13377,7 @@
           <p:cNvPr id="5" name="Text Placeholder 4">
             <a:extLst>
               <a:ext uri="{FF2B5EF4-FFF2-40B4-BE49-F238E27FC236}">
-                <a16:creationId xmlns:a16="http://schemas.microsoft.com/office/drawing/2014/main" id="{8728D43A-7A00-4058-B75B-150FADFE05ED}"/>
+                <a16:creationId xmlns:a16="http://schemas.microsoft.com/office/drawing/2014/main" xmlns="" id="{8728D43A-7A00-4058-B75B-150FADFE05ED}"/>
               </a:ext>
             </a:extLst>
           </p:cNvPr>
@@ -13325,7 +13410,7 @@
           <p:cNvPr id="6" name="Content Placeholder 5">
             <a:extLst>
               <a:ext uri="{FF2B5EF4-FFF2-40B4-BE49-F238E27FC236}">
-                <a16:creationId xmlns:a16="http://schemas.microsoft.com/office/drawing/2014/main" id="{FFFE1AAC-3848-4EAB-9853-A30E869F8945}"/>
+                <a16:creationId xmlns:a16="http://schemas.microsoft.com/office/drawing/2014/main" xmlns="" id="{FFFE1AAC-3848-4EAB-9853-A30E869F8945}"/>
               </a:ext>
             </a:extLst>
           </p:cNvPr>
@@ -13408,7 +13493,7 @@
           <p:cNvPr id="9" name="Text Placeholder 2">
             <a:extLst>
               <a:ext uri="{FF2B5EF4-FFF2-40B4-BE49-F238E27FC236}">
-                <a16:creationId xmlns:a16="http://schemas.microsoft.com/office/drawing/2014/main" id="{2B739B1C-E033-4175-B3A6-1509D3828714}"/>
+                <a16:creationId xmlns:a16="http://schemas.microsoft.com/office/drawing/2014/main" xmlns="" id="{2B739B1C-E033-4175-B3A6-1509D3828714}"/>
               </a:ext>
             </a:extLst>
           </p:cNvPr>
@@ -13607,7 +13692,7 @@
           <p:cNvPr id="11" name="Content Placeholder 3">
             <a:extLst>
               <a:ext uri="{FF2B5EF4-FFF2-40B4-BE49-F238E27FC236}">
-                <a16:creationId xmlns:a16="http://schemas.microsoft.com/office/drawing/2014/main" id="{70A63F2B-CAB2-4AC0-9707-CB8B8E82633E}"/>
+                <a16:creationId xmlns:a16="http://schemas.microsoft.com/office/drawing/2014/main" xmlns="" id="{70A63F2B-CAB2-4AC0-9707-CB8B8E82633E}"/>
               </a:ext>
             </a:extLst>
           </p:cNvPr>
@@ -13849,7 +13934,7 @@
           <p:cNvPr id="13" name="Rectangle 12">
             <a:extLst>
               <a:ext uri="{FF2B5EF4-FFF2-40B4-BE49-F238E27FC236}">
-                <a16:creationId xmlns:a16="http://schemas.microsoft.com/office/drawing/2014/main" id="{147A716C-253C-40A3-8C11-5FCB18A1B782}"/>
+                <a16:creationId xmlns:a16="http://schemas.microsoft.com/office/drawing/2014/main" xmlns="" id="{147A716C-253C-40A3-8C11-5FCB18A1B782}"/>
               </a:ext>
             </a:extLst>
           </p:cNvPr>
@@ -13891,7 +13976,7 @@
     </p:spTree>
     <p:extLst>
       <p:ext uri="{BB962C8B-B14F-4D97-AF65-F5344CB8AC3E}">
-        <p14:creationId xmlns:p14="http://schemas.microsoft.com/office/powerpoint/2010/main" val="3885784347"/>
+        <p14:creationId xmlns:p14="http://schemas.microsoft.com/office/powerpoint/2010/main" xmlns="" val="3885784347"/>
       </p:ext>
     </p:extLst>
   </p:cSld>
@@ -13944,7 +14029,7 @@
     </a:clrScheme>
     <a:fontScheme name="Facet">
       <a:majorFont>
-        <a:latin typeface="Trebuchet MS" panose="020B0603020202020204"/>
+        <a:latin typeface="Trebuchet MS"/>
         <a:ea typeface=""/>
         <a:cs typeface=""/>
         <a:font script="Jpan" typeface="メイリオ"/>
@@ -13979,7 +14064,7 @@
         <a:font script="Geor" typeface="Sylfaen"/>
       </a:majorFont>
       <a:minorFont>
-        <a:latin typeface="Trebuchet MS" panose="020B0603020202020204"/>
+        <a:latin typeface="Trebuchet MS"/>
         <a:ea typeface=""/>
         <a:cs typeface=""/>
         <a:font script="Jpan" typeface="メイリオ"/>
@@ -14152,7 +14237,7 @@
   <a:extraClrSchemeLst/>
   <a:extLst>
     <a:ext uri="{05A4C25C-085E-4340-85A3-A5531E510DB2}">
-      <thm15:themeFamily xmlns:thm15="http://schemas.microsoft.com/office/thememl/2012/main" name="Facet" id="{C0C680CD-088A-49FC-A102-D699147F32B2}" vid="{0B5AB586-D108-4FC1-8368-649FE654B894}"/>
+      <thm15:themeFamily xmlns:thm15="http://schemas.microsoft.com/office/thememl/2012/main" xmlns="" name="Facet" id="{C0C680CD-088A-49FC-A102-D699147F32B2}" vid="{0B5AB586-D108-4FC1-8368-649FE654B894}"/>
     </a:ext>
   </a:extLst>
 </a:theme>
@@ -14201,7 +14286,7 @@
     </a:clrScheme>
     <a:fontScheme name="Office">
       <a:majorFont>
-        <a:latin typeface="Calibri Light" panose="020F0302020204030204"/>
+        <a:latin typeface="Calibri Light"/>
         <a:ea typeface=""/>
         <a:cs typeface=""/>
         <a:font script="Jpan" typeface="游ゴシック Light"/>
@@ -14253,7 +14338,7 @@
         <a:font script="Tfng" typeface="Ebrima"/>
       </a:majorFont>
       <a:minorFont>
-        <a:latin typeface="Calibri" panose="020F0502020204030204"/>
+        <a:latin typeface="Calibri"/>
         <a:ea typeface=""/>
         <a:cs typeface=""/>
         <a:font script="Jpan" typeface="游ゴシック"/>
@@ -14447,7 +14532,7 @@
   <a:extraClrSchemeLst/>
   <a:extLst>
     <a:ext uri="{05A4C25C-085E-4340-85A3-A5531E510DB2}">
-      <thm15:themeFamily xmlns:thm15="http://schemas.microsoft.com/office/thememl/2012/main" name="Office Theme" id="{62F939B6-93AF-4DB8-9C6B-D6C7DFDC589F}" vid="{4A3C46E8-61CC-4603-A589-7422A47A8E4A}"/>
+      <thm15:themeFamily xmlns:thm15="http://schemas.microsoft.com/office/thememl/2012/main" xmlns="" name="Office Theme" id="{62F939B6-93AF-4DB8-9C6B-D6C7DFDC589F}" vid="{4A3C46E8-61CC-4603-A589-7422A47A8E4A}"/>
     </a:ext>
   </a:extLst>
 </a:theme>
